--- a/lessons/MyBlocks.pptx
+++ b/lessons/MyBlocks.pptx
@@ -5,10 +5,10 @@
     <p:sldMasterId id="2147483761" r:id="rId1"/>
   </p:sldMasterIdLst>
   <p:notesMasterIdLst>
-    <p:notesMasterId r:id="rId15"/>
+    <p:notesMasterId r:id="rId16"/>
   </p:notesMasterIdLst>
   <p:handoutMasterIdLst>
-    <p:handoutMasterId r:id="rId16"/>
+    <p:handoutMasterId r:id="rId17"/>
   </p:handoutMasterIdLst>
   <p:sldIdLst>
     <p:sldId id="275" r:id="rId2"/>
@@ -19,11 +19,12 @@
     <p:sldId id="343" r:id="rId7"/>
     <p:sldId id="382" r:id="rId8"/>
     <p:sldId id="387" r:id="rId9"/>
-    <p:sldId id="388" r:id="rId10"/>
-    <p:sldId id="389" r:id="rId11"/>
+    <p:sldId id="389" r:id="rId10"/>
+    <p:sldId id="391" r:id="rId11"/>
     <p:sldId id="390" r:id="rId12"/>
-    <p:sldId id="384" r:id="rId13"/>
-    <p:sldId id="293" r:id="rId14"/>
+    <p:sldId id="392" r:id="rId13"/>
+    <p:sldId id="384" r:id="rId14"/>
+    <p:sldId id="293" r:id="rId15"/>
   </p:sldIdLst>
   <p:sldSz cx="9144000" cy="6858000" type="screen4x3"/>
   <p:notesSz cx="6858000" cy="9144000"/>
@@ -223,7 +224,7 @@
           <a:p>
             <a:fld id="{58040048-1E4D-CD41-AC49-0750EB72586B}" type="datetimeFigureOut">
               <a:rPr lang="en-US" smtClean="0"/>
-              <a:t>6/1/2020</a:t>
+              <a:t>6/2/20</a:t>
             </a:fld>
             <a:endParaRPr lang="en-US"/>
           </a:p>
@@ -389,7 +390,7 @@
           <a:p>
             <a:fld id="{2B8484CF-5098-F24E-8881-583515D5C406}" type="datetimeFigureOut">
               <a:rPr lang="en-US" smtClean="0"/>
-              <a:t>6/1/2020</a:t>
+              <a:t>6/2/20</a:t>
             </a:fld>
             <a:endParaRPr lang="en-US"/>
           </a:p>
@@ -5641,21 +5642,161 @@
           <a:chExt cx="0" cy="0"/>
         </a:xfrm>
       </p:grpSpPr>
+      <p:sp>
+        <p:nvSpPr>
+          <p:cNvPr id="2" name="Title 1">
+            <a:extLst>
+              <a:ext uri="{FF2B5EF4-FFF2-40B4-BE49-F238E27FC236}">
+                <a16:creationId xmlns:a16="http://schemas.microsoft.com/office/drawing/2014/main" id="{7AD83609-810F-4F45-8247-C7B8E61BAC77}"/>
+              </a:ext>
+            </a:extLst>
+          </p:cNvPr>
+          <p:cNvSpPr>
+            <a:spLocks noGrp="1"/>
+          </p:cNvSpPr>
+          <p:nvPr>
+            <p:ph type="title"/>
+          </p:nvPr>
+        </p:nvSpPr>
+        <p:spPr/>
+        <p:txBody>
+          <a:bodyPr/>
+          <a:lstStyle/>
+          <a:p>
+            <a:r>
+              <a:rPr lang="en-US" dirty="0"/>
+              <a:t>Step 4: Using the My </a:t>
+            </a:r>
+            <a:r>
+              <a:rPr lang="en-US" dirty="0" err="1"/>
+              <a:t>BLock</a:t>
+            </a:r>
+            <a:endParaRPr lang="en-US" dirty="0"/>
+          </a:p>
+        </p:txBody>
+      </p:sp>
+      <p:sp>
+        <p:nvSpPr>
+          <p:cNvPr id="3" name="Content Placeholder 2">
+            <a:extLst>
+              <a:ext uri="{FF2B5EF4-FFF2-40B4-BE49-F238E27FC236}">
+                <a16:creationId xmlns:a16="http://schemas.microsoft.com/office/drawing/2014/main" id="{F30F6734-5DC2-4E48-AD8E-254F929A76A0}"/>
+              </a:ext>
+            </a:extLst>
+          </p:cNvPr>
+          <p:cNvSpPr>
+            <a:spLocks noGrp="1"/>
+          </p:cNvSpPr>
+          <p:nvPr>
+            <p:ph idx="1"/>
+          </p:nvPr>
+        </p:nvSpPr>
+        <p:spPr>
+          <a:xfrm>
+            <a:off x="155088" y="1140006"/>
+            <a:ext cx="5793649" cy="5082601"/>
+          </a:xfrm>
+        </p:spPr>
+        <p:txBody>
+          <a:bodyPr/>
+          <a:lstStyle/>
+          <a:p>
+            <a:r>
+              <a:rPr lang="en-US" dirty="0"/>
+              <a:t>In addition, the My Block can now be found in the My Blocks tab. To use the My Block in your code, simply drag in the block.</a:t>
+            </a:r>
+          </a:p>
+          <a:p>
+            <a:endParaRPr lang="en-US" dirty="0"/>
+          </a:p>
+          <a:p>
+            <a:r>
+              <a:rPr lang="en-US" dirty="0"/>
+              <a:t>Xxx show screenshot in code with values filled in</a:t>
+            </a:r>
+          </a:p>
+          <a:p>
+            <a:r>
+              <a:rPr lang="en-US" dirty="0"/>
+              <a:t>Show a my block with Booleans – values can’t be filled in manually – you must use an operator block (e.g. 50 = 50 for true or 50=49 for false)</a:t>
+            </a:r>
+          </a:p>
+          <a:p>
+            <a:endParaRPr lang="en-US" b="1" dirty="0"/>
+          </a:p>
+        </p:txBody>
+      </p:sp>
+      <p:sp>
+        <p:nvSpPr>
+          <p:cNvPr id="4" name="Footer Placeholder 3">
+            <a:extLst>
+              <a:ext uri="{FF2B5EF4-FFF2-40B4-BE49-F238E27FC236}">
+                <a16:creationId xmlns:a16="http://schemas.microsoft.com/office/drawing/2014/main" id="{17923E1F-8A17-1A43-952D-40B833AEF956}"/>
+              </a:ext>
+            </a:extLst>
+          </p:cNvPr>
+          <p:cNvSpPr>
+            <a:spLocks noGrp="1"/>
+          </p:cNvSpPr>
+          <p:nvPr>
+            <p:ph type="ftr" sz="quarter" idx="11"/>
+          </p:nvPr>
+        </p:nvSpPr>
+        <p:spPr/>
+        <p:txBody>
+          <a:bodyPr/>
+          <a:lstStyle/>
+          <a:p>
+            <a:r>
+              <a:rPr lang="en-US"/>
+              <a:t>Copyright © 2020 SPIKE Prime Lessons (primelessons.org) CC-BY-NC-SA.  (Last edit: 5/30/2020)</a:t>
+            </a:r>
+            <a:endParaRPr lang="en-US" dirty="0"/>
+          </a:p>
+        </p:txBody>
+      </p:sp>
+      <p:sp>
+        <p:nvSpPr>
+          <p:cNvPr id="5" name="Slide Number Placeholder 4">
+            <a:extLst>
+              <a:ext uri="{FF2B5EF4-FFF2-40B4-BE49-F238E27FC236}">
+                <a16:creationId xmlns:a16="http://schemas.microsoft.com/office/drawing/2014/main" id="{65C5DB13-FCCB-0342-AEF4-D45285A7958C}"/>
+              </a:ext>
+            </a:extLst>
+          </p:cNvPr>
+          <p:cNvSpPr>
+            <a:spLocks noGrp="1"/>
+          </p:cNvSpPr>
+          <p:nvPr>
+            <p:ph type="sldNum" sz="quarter" idx="12"/>
+          </p:nvPr>
+        </p:nvSpPr>
+        <p:spPr/>
+        <p:txBody>
+          <a:bodyPr/>
+          <a:lstStyle/>
+          <a:p>
+            <a:fld id="{BBD74847-7BE4-4E4D-8159-51DF7B93C616}" type="slidenum">
+              <a:rPr lang="en-US" smtClean="0"/>
+              <a:t>10</a:t>
+            </a:fld>
+            <a:endParaRPr lang="en-US"/>
+          </a:p>
+        </p:txBody>
+      </p:sp>
       <p:pic>
         <p:nvPicPr>
-          <p:cNvPr id="15" name="Content Placeholder 14" descr="A screenshot of a cell phone&#10;&#10;Description automatically generated">
+          <p:cNvPr id="6" name="Picture 5" descr="A screenshot of a cell phone&#10;&#10;Description automatically generated">
             <a:extLst>
               <a:ext uri="{FF2B5EF4-FFF2-40B4-BE49-F238E27FC236}">
-                <a16:creationId xmlns:a16="http://schemas.microsoft.com/office/drawing/2014/main" id="{965681F9-ABB6-0244-9EE6-9B9E70EEFCC9}"/>
+                <a16:creationId xmlns:a16="http://schemas.microsoft.com/office/drawing/2014/main" id="{71814D42-0D47-404D-9AE4-08F7F3DE27A3}"/>
               </a:ext>
             </a:extLst>
           </p:cNvPr>
           <p:cNvPicPr>
-            <a:picLocks noGrp="1" noChangeAspect="1"/>
+            <a:picLocks noChangeAspect="1"/>
           </p:cNvPicPr>
-          <p:nvPr>
-            <p:ph idx="1"/>
-          </p:nvPr>
+          <p:nvPr/>
         </p:nvPicPr>
         <p:blipFill>
           <a:blip r:embed="rId2"/>
@@ -5665,538 +5806,66 @@
         </p:blipFill>
         <p:spPr>
           <a:xfrm>
-            <a:off x="3308118" y="3429000"/>
-            <a:ext cx="5835882" cy="1432356"/>
-          </a:xfrm>
+            <a:off x="6670905" y="1161143"/>
+            <a:ext cx="2274476" cy="5143250"/>
+          </a:xfrm>
+          <a:prstGeom prst="rect">
+            <a:avLst/>
+          </a:prstGeom>
         </p:spPr>
       </p:pic>
       <p:sp>
         <p:nvSpPr>
-          <p:cNvPr id="4" name="Footer Placeholder 3">
+          <p:cNvPr id="7" name="Rectangle 6">
             <a:extLst>
               <a:ext uri="{FF2B5EF4-FFF2-40B4-BE49-F238E27FC236}">
-                <a16:creationId xmlns:a16="http://schemas.microsoft.com/office/drawing/2014/main" id="{AB251964-C6F0-A842-BB77-0CFE99F4C475}"/>
+                <a16:creationId xmlns:a16="http://schemas.microsoft.com/office/drawing/2014/main" id="{D97C9E6B-EB6B-6A4F-B5CE-93DD3F63A6CF}"/>
               </a:ext>
             </a:extLst>
           </p:cNvPr>
-          <p:cNvSpPr>
-            <a:spLocks noGrp="1"/>
-          </p:cNvSpPr>
-          <p:nvPr>
-            <p:ph type="ftr" sz="quarter" idx="11"/>
-          </p:nvPr>
-        </p:nvSpPr>
-        <p:spPr/>
-        <p:txBody>
-          <a:bodyPr/>
-          <a:lstStyle/>
-          <a:p>
-            <a:r>
-              <a:rPr lang="en-US"/>
-              <a:t>Copyright © 2020 SPIKE Prime Lessons (primelessons.org) CC-BY-NC-SA.  (Last edit: 5/30/2020)</a:t>
-            </a:r>
-          </a:p>
-        </p:txBody>
-      </p:sp>
-      <p:sp>
-        <p:nvSpPr>
-          <p:cNvPr id="5" name="Slide Number Placeholder 4">
-            <a:extLst>
-              <a:ext uri="{FF2B5EF4-FFF2-40B4-BE49-F238E27FC236}">
-                <a16:creationId xmlns:a16="http://schemas.microsoft.com/office/drawing/2014/main" id="{21B061F9-8230-D849-85D3-FCCB9C949D80}"/>
-              </a:ext>
-            </a:extLst>
-          </p:cNvPr>
-          <p:cNvSpPr>
-            <a:spLocks noGrp="1"/>
-          </p:cNvSpPr>
-          <p:nvPr>
-            <p:ph type="sldNum" sz="quarter" idx="12"/>
-          </p:nvPr>
-        </p:nvSpPr>
-        <p:spPr/>
-        <p:txBody>
-          <a:bodyPr/>
-          <a:lstStyle/>
-          <a:p>
-            <a:fld id="{4382A7F7-08BF-4252-8141-63FB96055BBB}" type="slidenum">
-              <a:rPr lang="en-US" smtClean="0"/>
-              <a:t>10</a:t>
-            </a:fld>
-            <a:endParaRPr lang="en-US"/>
-          </a:p>
-        </p:txBody>
-      </p:sp>
-      <p:grpSp>
-        <p:nvGrpSpPr>
-          <p:cNvPr id="17" name="Group 16">
-            <a:extLst>
-              <a:ext uri="{FF2B5EF4-FFF2-40B4-BE49-F238E27FC236}">
-                <a16:creationId xmlns:a16="http://schemas.microsoft.com/office/drawing/2014/main" id="{6B3DA0BB-B532-9B42-BC22-4D0DDFE5EE20}"/>
-              </a:ext>
-            </a:extLst>
-          </p:cNvPr>
-          <p:cNvGrpSpPr/>
+          <p:cNvSpPr/>
           <p:nvPr/>
-        </p:nvGrpSpPr>
-        <p:grpSpPr>
-          <a:xfrm>
-            <a:off x="3308118" y="1651762"/>
-            <a:ext cx="5264875" cy="1432356"/>
-            <a:chOff x="399325" y="1752477"/>
-            <a:chExt cx="6908800" cy="1879600"/>
-          </a:xfrm>
-        </p:grpSpPr>
-        <p:pic>
-          <p:nvPicPr>
-            <p:cNvPr id="6" name="Picture 5" descr="A screenshot of a cell phone&#10;&#10;Description automatically generated">
-              <a:extLst>
-                <a:ext uri="{FF2B5EF4-FFF2-40B4-BE49-F238E27FC236}">
-                  <a16:creationId xmlns:a16="http://schemas.microsoft.com/office/drawing/2014/main" id="{2E7804B7-F068-5843-8AE9-77DBE69581C5}"/>
-                </a:ext>
-              </a:extLst>
-            </p:cNvPr>
-            <p:cNvPicPr>
-              <a:picLocks noChangeAspect="1"/>
-            </p:cNvPicPr>
-            <p:nvPr/>
-          </p:nvPicPr>
-          <p:blipFill>
-            <a:blip r:embed="rId3"/>
-            <a:stretch>
-              <a:fillRect/>
-            </a:stretch>
-          </p:blipFill>
-          <p:spPr>
-            <a:xfrm>
-              <a:off x="399325" y="1752477"/>
-              <a:ext cx="6908800" cy="1879600"/>
-            </a:xfrm>
-            <a:prstGeom prst="rect">
-              <a:avLst/>
-            </a:prstGeom>
-          </p:spPr>
-        </p:pic>
-        <p:cxnSp>
-          <p:nvCxnSpPr>
-            <p:cNvPr id="8" name="Straight Arrow Connector 7">
-              <a:extLst>
-                <a:ext uri="{FF2B5EF4-FFF2-40B4-BE49-F238E27FC236}">
-                  <a16:creationId xmlns:a16="http://schemas.microsoft.com/office/drawing/2014/main" id="{D60D42F7-E7F8-0B42-A747-EDAC6BF31413}"/>
-                </a:ext>
-              </a:extLst>
-            </p:cNvPr>
-            <p:cNvCxnSpPr>
-              <a:cxnSpLocks/>
-            </p:cNvCxnSpPr>
-            <p:nvPr/>
-          </p:nvCxnSpPr>
-          <p:spPr>
-            <a:xfrm>
-              <a:off x="4065814" y="2547257"/>
-              <a:ext cx="1518557" cy="408214"/>
-            </a:xfrm>
-            <a:prstGeom prst="straightConnector1">
-              <a:avLst/>
-            </a:prstGeom>
-            <a:ln w="57150">
-              <a:tailEnd type="triangle"/>
-            </a:ln>
-          </p:spPr>
-          <p:style>
-            <a:lnRef idx="1">
-              <a:schemeClr val="accent1"/>
-            </a:lnRef>
-            <a:fillRef idx="0">
-              <a:schemeClr val="accent1"/>
-            </a:fillRef>
-            <a:effectRef idx="0">
-              <a:schemeClr val="accent1"/>
-            </a:effectRef>
-            <a:fontRef idx="minor">
-              <a:schemeClr val="tx1"/>
-            </a:fontRef>
-          </p:style>
-        </p:cxnSp>
-        <p:cxnSp>
-          <p:nvCxnSpPr>
-            <p:cNvPr id="10" name="Straight Arrow Connector 9">
-              <a:extLst>
-                <a:ext uri="{FF2B5EF4-FFF2-40B4-BE49-F238E27FC236}">
-                  <a16:creationId xmlns:a16="http://schemas.microsoft.com/office/drawing/2014/main" id="{F10A845A-66B2-7A46-955F-CEC1CA539270}"/>
-                </a:ext>
-              </a:extLst>
-            </p:cNvPr>
-            <p:cNvCxnSpPr>
-              <a:cxnSpLocks/>
-            </p:cNvCxnSpPr>
-            <p:nvPr/>
-          </p:nvCxnSpPr>
-          <p:spPr>
-            <a:xfrm flipH="1">
-              <a:off x="3788409" y="2509300"/>
-              <a:ext cx="1240790" cy="408214"/>
-            </a:xfrm>
-            <a:prstGeom prst="straightConnector1">
-              <a:avLst/>
-            </a:prstGeom>
-            <a:ln w="57150">
-              <a:tailEnd type="triangle"/>
-            </a:ln>
-          </p:spPr>
-          <p:style>
-            <a:lnRef idx="1">
-              <a:schemeClr val="accent1"/>
-            </a:lnRef>
-            <a:fillRef idx="0">
-              <a:schemeClr val="accent1"/>
-            </a:fillRef>
-            <a:effectRef idx="0">
-              <a:schemeClr val="accent1"/>
-            </a:effectRef>
-            <a:fontRef idx="minor">
-              <a:schemeClr val="tx1"/>
-            </a:fontRef>
-          </p:style>
-        </p:cxnSp>
-      </p:grpSp>
-      <p:sp>
-        <p:nvSpPr>
-          <p:cNvPr id="18" name="Content Placeholder 19">
-            <a:extLst>
-              <a:ext uri="{FF2B5EF4-FFF2-40B4-BE49-F238E27FC236}">
-                <a16:creationId xmlns:a16="http://schemas.microsoft.com/office/drawing/2014/main" id="{D542A215-082F-C34F-B6A6-F7B25C2D3B97}"/>
-              </a:ext>
-            </a:extLst>
-          </p:cNvPr>
-          <p:cNvSpPr txBox="1">
-            <a:spLocks/>
-          </p:cNvSpPr>
-          <p:nvPr/>
-        </p:nvSpPr>
-        <p:spPr>
-          <a:xfrm>
-            <a:off x="329882" y="1484555"/>
-            <a:ext cx="2978236" cy="4559406"/>
+        </p:nvSpPr>
+        <p:spPr>
+          <a:xfrm>
+            <a:off x="7127466" y="2668338"/>
+            <a:ext cx="1816101" cy="368300"/>
           </a:xfrm>
           <a:prstGeom prst="rect">
             <a:avLst/>
           </a:prstGeom>
-        </p:spPr>
-        <p:txBody>
-          <a:bodyPr vert="horz" lIns="0" tIns="45720" rIns="0" bIns="45720" rtlCol="0">
-            <a:normAutofit fontScale="92500"/>
-          </a:bodyPr>
-          <a:lstStyle>
-            <a:lvl1pPr marL="91440" indent="-91440" algn="l" defTabSz="914400" rtl="0" eaLnBrk="1" latinLnBrk="0" hangingPunct="1">
-              <a:lnSpc>
-                <a:spcPct val="90000"/>
-              </a:lnSpc>
-              <a:spcBef>
-                <a:spcPts val="1200"/>
-              </a:spcBef>
-              <a:spcAft>
-                <a:spcPts val="200"/>
-              </a:spcAft>
-              <a:buClr>
-                <a:schemeClr val="accent1"/>
-              </a:buClr>
-              <a:buSzPct val="100000"/>
-              <a:buFont typeface="Calibri" panose="020F0502020204030204" pitchFamily="34" charset="0"/>
-              <a:buChar char=" "/>
-              <a:defRPr sz="2000" kern="1200">
-                <a:solidFill>
-                  <a:schemeClr val="tx1">
-                    <a:lumMod val="75000"/>
-                    <a:lumOff val="25000"/>
-                  </a:schemeClr>
-                </a:solidFill>
-                <a:latin typeface="+mn-lt"/>
-                <a:ea typeface="+mn-ea"/>
-                <a:cs typeface="+mn-cs"/>
-              </a:defRPr>
-            </a:lvl1pPr>
-            <a:lvl2pPr marL="384048" indent="-182880" algn="l" defTabSz="914400" rtl="0" eaLnBrk="1" latinLnBrk="0" hangingPunct="1">
-              <a:lnSpc>
-                <a:spcPct val="90000"/>
-              </a:lnSpc>
-              <a:spcBef>
-                <a:spcPts val="200"/>
-              </a:spcBef>
-              <a:spcAft>
-                <a:spcPts val="400"/>
-              </a:spcAft>
-              <a:buClr>
-                <a:schemeClr val="accent1"/>
-              </a:buClr>
-              <a:buFont typeface="Calibri" pitchFamily="34" charset="0"/>
-              <a:buChar char="◦"/>
-              <a:defRPr sz="1800" kern="1200">
-                <a:solidFill>
-                  <a:schemeClr val="tx1">
-                    <a:lumMod val="75000"/>
-                    <a:lumOff val="25000"/>
-                  </a:schemeClr>
-                </a:solidFill>
-                <a:latin typeface="+mn-lt"/>
-                <a:ea typeface="+mn-ea"/>
-                <a:cs typeface="+mn-cs"/>
-              </a:defRPr>
-            </a:lvl2pPr>
-            <a:lvl3pPr marL="566928" indent="-182880" algn="l" defTabSz="914400" rtl="0" eaLnBrk="1" latinLnBrk="0" hangingPunct="1">
-              <a:lnSpc>
-                <a:spcPct val="90000"/>
-              </a:lnSpc>
-              <a:spcBef>
-                <a:spcPts val="200"/>
-              </a:spcBef>
-              <a:spcAft>
-                <a:spcPts val="400"/>
-              </a:spcAft>
-              <a:buClr>
-                <a:schemeClr val="accent1"/>
-              </a:buClr>
-              <a:buFont typeface="Calibri" pitchFamily="34" charset="0"/>
-              <a:buChar char="◦"/>
-              <a:defRPr sz="1400" kern="1200">
-                <a:solidFill>
-                  <a:schemeClr val="tx1">
-                    <a:lumMod val="75000"/>
-                    <a:lumOff val="25000"/>
-                  </a:schemeClr>
-                </a:solidFill>
-                <a:latin typeface="+mn-lt"/>
-                <a:ea typeface="+mn-ea"/>
-                <a:cs typeface="+mn-cs"/>
-              </a:defRPr>
-            </a:lvl3pPr>
-            <a:lvl4pPr marL="749808" indent="-182880" algn="l" defTabSz="914400" rtl="0" eaLnBrk="1" latinLnBrk="0" hangingPunct="1">
-              <a:lnSpc>
-                <a:spcPct val="90000"/>
-              </a:lnSpc>
-              <a:spcBef>
-                <a:spcPts val="200"/>
-              </a:spcBef>
-              <a:spcAft>
-                <a:spcPts val="400"/>
-              </a:spcAft>
-              <a:buClr>
-                <a:schemeClr val="accent1"/>
-              </a:buClr>
-              <a:buFont typeface="Calibri" pitchFamily="34" charset="0"/>
-              <a:buChar char="◦"/>
-              <a:defRPr sz="1400" kern="1200">
-                <a:solidFill>
-                  <a:schemeClr val="tx1">
-                    <a:lumMod val="75000"/>
-                    <a:lumOff val="25000"/>
-                  </a:schemeClr>
-                </a:solidFill>
-                <a:latin typeface="+mn-lt"/>
-                <a:ea typeface="+mn-ea"/>
-                <a:cs typeface="+mn-cs"/>
-              </a:defRPr>
-            </a:lvl4pPr>
-            <a:lvl5pPr marL="932688" indent="-182880" algn="l" defTabSz="914400" rtl="0" eaLnBrk="1" latinLnBrk="0" hangingPunct="1">
-              <a:lnSpc>
-                <a:spcPct val="90000"/>
-              </a:lnSpc>
-              <a:spcBef>
-                <a:spcPts val="200"/>
-              </a:spcBef>
-              <a:spcAft>
-                <a:spcPts val="400"/>
-              </a:spcAft>
-              <a:buClr>
-                <a:schemeClr val="accent1"/>
-              </a:buClr>
-              <a:buFont typeface="Calibri" pitchFamily="34" charset="0"/>
-              <a:buChar char="◦"/>
-              <a:defRPr sz="1400" kern="1200">
-                <a:solidFill>
-                  <a:schemeClr val="tx1">
-                    <a:lumMod val="75000"/>
-                    <a:lumOff val="25000"/>
-                  </a:schemeClr>
-                </a:solidFill>
-                <a:latin typeface="+mn-lt"/>
-                <a:ea typeface="+mn-ea"/>
-                <a:cs typeface="+mn-cs"/>
-              </a:defRPr>
-            </a:lvl5pPr>
-            <a:lvl6pPr marL="1100000" indent="-228600" algn="l" defTabSz="914400" rtl="0" eaLnBrk="1" latinLnBrk="0" hangingPunct="1">
-              <a:lnSpc>
-                <a:spcPct val="90000"/>
-              </a:lnSpc>
-              <a:spcBef>
-                <a:spcPts val="200"/>
-              </a:spcBef>
-              <a:spcAft>
-                <a:spcPts val="400"/>
-              </a:spcAft>
-              <a:buClr>
-                <a:schemeClr val="accent1"/>
-              </a:buClr>
-              <a:buFont typeface="Calibri" pitchFamily="34" charset="0"/>
-              <a:buChar char="◦"/>
-              <a:defRPr sz="1400" kern="1200">
-                <a:solidFill>
-                  <a:schemeClr val="tx1">
-                    <a:lumMod val="75000"/>
-                    <a:lumOff val="25000"/>
-                  </a:schemeClr>
-                </a:solidFill>
-                <a:latin typeface="+mn-lt"/>
-                <a:ea typeface="+mn-ea"/>
-                <a:cs typeface="+mn-cs"/>
-              </a:defRPr>
-            </a:lvl6pPr>
-            <a:lvl7pPr marL="1300000" indent="-228600" algn="l" defTabSz="914400" rtl="0" eaLnBrk="1" latinLnBrk="0" hangingPunct="1">
-              <a:lnSpc>
-                <a:spcPct val="90000"/>
-              </a:lnSpc>
-              <a:spcBef>
-                <a:spcPts val="200"/>
-              </a:spcBef>
-              <a:spcAft>
-                <a:spcPts val="400"/>
-              </a:spcAft>
-              <a:buClr>
-                <a:schemeClr val="accent1"/>
-              </a:buClr>
-              <a:buFont typeface="Calibri" pitchFamily="34" charset="0"/>
-              <a:buChar char="◦"/>
-              <a:defRPr sz="1400" kern="1200">
-                <a:solidFill>
-                  <a:schemeClr val="tx1">
-                    <a:lumMod val="75000"/>
-                    <a:lumOff val="25000"/>
-                  </a:schemeClr>
-                </a:solidFill>
-                <a:latin typeface="+mn-lt"/>
-                <a:ea typeface="+mn-ea"/>
-                <a:cs typeface="+mn-cs"/>
-              </a:defRPr>
-            </a:lvl7pPr>
-            <a:lvl8pPr marL="1500000" indent="-228600" algn="l" defTabSz="914400" rtl="0" eaLnBrk="1" latinLnBrk="0" hangingPunct="1">
-              <a:lnSpc>
-                <a:spcPct val="90000"/>
-              </a:lnSpc>
-              <a:spcBef>
-                <a:spcPts val="200"/>
-              </a:spcBef>
-              <a:spcAft>
-                <a:spcPts val="400"/>
-              </a:spcAft>
-              <a:buClr>
-                <a:schemeClr val="accent1"/>
-              </a:buClr>
-              <a:buFont typeface="Calibri" pitchFamily="34" charset="0"/>
-              <a:buChar char="◦"/>
-              <a:defRPr sz="1400" kern="1200">
-                <a:solidFill>
-                  <a:schemeClr val="tx1">
-                    <a:lumMod val="75000"/>
-                    <a:lumOff val="25000"/>
-                  </a:schemeClr>
-                </a:solidFill>
-                <a:latin typeface="+mn-lt"/>
-                <a:ea typeface="+mn-ea"/>
-                <a:cs typeface="+mn-cs"/>
-              </a:defRPr>
-            </a:lvl8pPr>
-            <a:lvl9pPr marL="1700000" indent="-228600" algn="l" defTabSz="914400" rtl="0" eaLnBrk="1" latinLnBrk="0" hangingPunct="1">
-              <a:lnSpc>
-                <a:spcPct val="90000"/>
-              </a:lnSpc>
-              <a:spcBef>
-                <a:spcPts val="200"/>
-              </a:spcBef>
-              <a:spcAft>
-                <a:spcPts val="400"/>
-              </a:spcAft>
-              <a:buClr>
-                <a:schemeClr val="accent1"/>
-              </a:buClr>
-              <a:buFont typeface="Calibri" pitchFamily="34" charset="0"/>
-              <a:buChar char="◦"/>
-              <a:defRPr sz="1400" kern="1200">
-                <a:solidFill>
-                  <a:schemeClr val="tx1">
-                    <a:lumMod val="75000"/>
-                    <a:lumOff val="25000"/>
-                  </a:schemeClr>
-                </a:solidFill>
-                <a:latin typeface="+mn-lt"/>
-                <a:ea typeface="+mn-ea"/>
-                <a:cs typeface="+mn-cs"/>
-              </a:defRPr>
-            </a:lvl9pPr>
-          </a:lstStyle>
-          <a:p>
-            <a:pPr>
-              <a:buFont typeface="Arial" panose="020B0604020202020204" pitchFamily="34" charset="0"/>
-              <a:buChar char="•"/>
-            </a:pPr>
-            <a:r>
-              <a:rPr lang="en-US" dirty="0"/>
-              <a:t>Add the programming blocks that you want in your My Block under the Define Block. </a:t>
-            </a:r>
-          </a:p>
-          <a:p>
-            <a:pPr>
-              <a:buFont typeface="Arial" panose="020B0604020202020204" pitchFamily="34" charset="0"/>
-              <a:buChar char="•"/>
-            </a:pPr>
-            <a:r>
-              <a:rPr lang="en-US" dirty="0"/>
-              <a:t>To use the inputs from the My Block, drag the oval inputs from the Define Block to the places where you need them as demonstrated in the images to the right.</a:t>
-            </a:r>
-          </a:p>
-          <a:p>
-            <a:pPr>
-              <a:buFont typeface="Arial" panose="020B0604020202020204" pitchFamily="34" charset="0"/>
-              <a:buChar char="•"/>
-            </a:pPr>
-            <a:r>
-              <a:rPr lang="en-US" dirty="0"/>
-              <a:t>The code on the right sets up a My Block that takes in speed and rotations and moves straight with the speed and rotations inputted.</a:t>
-            </a:r>
-          </a:p>
-        </p:txBody>
-      </p:sp>
-      <p:sp>
-        <p:nvSpPr>
-          <p:cNvPr id="7" name="Title 6">
-            <a:extLst>
-              <a:ext uri="{FF2B5EF4-FFF2-40B4-BE49-F238E27FC236}">
-                <a16:creationId xmlns:a16="http://schemas.microsoft.com/office/drawing/2014/main" id="{76CBC77D-48F6-DB4B-A3C5-C8B045C6584D}"/>
-              </a:ext>
-            </a:extLst>
-          </p:cNvPr>
-          <p:cNvSpPr>
-            <a:spLocks noGrp="1"/>
-          </p:cNvSpPr>
-          <p:nvPr>
-            <p:ph type="title"/>
-          </p:nvPr>
-        </p:nvSpPr>
-        <p:spPr/>
-        <p:txBody>
-          <a:bodyPr/>
+          <a:noFill/>
+          <a:ln w="38100"/>
+        </p:spPr>
+        <p:style>
+          <a:lnRef idx="2">
+            <a:schemeClr val="accent1">
+              <a:shade val="50000"/>
+            </a:schemeClr>
+          </a:lnRef>
+          <a:fillRef idx="1">
+            <a:schemeClr val="accent1"/>
+          </a:fillRef>
+          <a:effectRef idx="0">
+            <a:schemeClr val="accent1"/>
+          </a:effectRef>
+          <a:fontRef idx="minor">
+            <a:schemeClr val="lt1"/>
+          </a:fontRef>
+        </p:style>
+        <p:txBody>
+          <a:bodyPr rtlCol="0" anchor="ctr"/>
           <a:lstStyle/>
           <a:p>
-            <a:r>
-              <a:rPr lang="en-US" dirty="0"/>
-              <a:t>Step 4: Defining the My Block</a:t>
-            </a:r>
+            <a:pPr algn="ctr"/>
+            <a:endParaRPr lang="en-US"/>
           </a:p>
         </p:txBody>
       </p:sp>
     </p:spTree>
     <p:extLst>
       <p:ext uri="{BB962C8B-B14F-4D97-AF65-F5344CB8AC3E}">
-        <p14:creationId xmlns:p14="http://schemas.microsoft.com/office/powerpoint/2010/main" val="825403992"/>
+        <p14:creationId xmlns:p14="http://schemas.microsoft.com/office/powerpoint/2010/main" val="224332246"/>
       </p:ext>
     </p:extLst>
   </p:cSld>
@@ -6539,7 +6208,7 @@
           <p:cNvPr id="2" name="Title 1">
             <a:extLst>
               <a:ext uri="{FF2B5EF4-FFF2-40B4-BE49-F238E27FC236}">
-                <a16:creationId xmlns:a16="http://schemas.microsoft.com/office/drawing/2014/main" id="{33F501BC-2A6D-1549-8FCF-3D2B8B699842}"/>
+                <a16:creationId xmlns:a16="http://schemas.microsoft.com/office/drawing/2014/main" id="{4CBA426A-EF59-0447-B2BE-73A74FAA13E9}"/>
               </a:ext>
             </a:extLst>
           </p:cNvPr>
@@ -6557,8 +6226,43 @@
           <a:p>
             <a:r>
               <a:rPr lang="en-US" dirty="0"/>
-              <a:t>How to Edit or Delete a My Block</a:t>
-            </a:r>
+              <a:t>Sharing My Blocks Between Projects</a:t>
+            </a:r>
+          </a:p>
+        </p:txBody>
+      </p:sp>
+      <p:sp>
+        <p:nvSpPr>
+          <p:cNvPr id="3" name="Content Placeholder 2">
+            <a:extLst>
+              <a:ext uri="{FF2B5EF4-FFF2-40B4-BE49-F238E27FC236}">
+                <a16:creationId xmlns:a16="http://schemas.microsoft.com/office/drawing/2014/main" id="{4485B566-9FB0-1F46-A25B-A23D02FE2A85}"/>
+              </a:ext>
+            </a:extLst>
+          </p:cNvPr>
+          <p:cNvSpPr>
+            <a:spLocks noGrp="1"/>
+          </p:cNvSpPr>
+          <p:nvPr>
+            <p:ph idx="1"/>
+          </p:nvPr>
+        </p:nvSpPr>
+        <p:spPr/>
+        <p:txBody>
+          <a:bodyPr/>
+          <a:lstStyle/>
+          <a:p>
+            <a:r>
+              <a:rPr lang="en-US" dirty="0">
+                <a:solidFill>
+                  <a:srgbClr val="FF0000"/>
+                </a:solidFill>
+              </a:rPr>
+              <a:t>Note: the My Block can only be used inside one project. To use in multiple projects, copy and paste the code into the other project.</a:t>
+            </a:r>
+          </a:p>
+          <a:p>
+            <a:endParaRPr lang="en-US" dirty="0"/>
           </a:p>
         </p:txBody>
       </p:sp>
@@ -6567,7 +6271,7 @@
           <p:cNvPr id="4" name="Footer Placeholder 3">
             <a:extLst>
               <a:ext uri="{FF2B5EF4-FFF2-40B4-BE49-F238E27FC236}">
-                <a16:creationId xmlns:a16="http://schemas.microsoft.com/office/drawing/2014/main" id="{0BD0AB4E-86D8-C247-9E9C-E2ECF813816B}"/>
+                <a16:creationId xmlns:a16="http://schemas.microsoft.com/office/drawing/2014/main" id="{A7F23C1D-ABC6-834E-B70F-CFFAE8FACA87}"/>
               </a:ext>
             </a:extLst>
           </p:cNvPr>
@@ -6587,6 +6291,7 @@
               <a:rPr lang="en-US"/>
               <a:t>Copyright © 2020 SPIKE Prime Lessons (primelessons.org) CC-BY-NC-SA.  (Last edit: 5/30/2020)</a:t>
             </a:r>
+            <a:endParaRPr lang="en-US" dirty="0"/>
           </a:p>
         </p:txBody>
       </p:sp>
@@ -6595,7 +6300,7 @@
           <p:cNvPr id="5" name="Slide Number Placeholder 4">
             <a:extLst>
               <a:ext uri="{FF2B5EF4-FFF2-40B4-BE49-F238E27FC236}">
-                <a16:creationId xmlns:a16="http://schemas.microsoft.com/office/drawing/2014/main" id="{26D44BCA-3298-894E-BF99-171B17761285}"/>
+                <a16:creationId xmlns:a16="http://schemas.microsoft.com/office/drawing/2014/main" id="{FCA487BB-219E-7348-A43B-29B0E1CAA030}"/>
               </a:ext>
             </a:extLst>
           </p:cNvPr>
@@ -6611,7 +6316,7 @@
           <a:bodyPr/>
           <a:lstStyle/>
           <a:p>
-            <a:fld id="{4382A7F7-08BF-4252-8141-63FB96055BBB}" type="slidenum">
+            <a:fld id="{BBD74847-7BE4-4E4D-8159-51DF7B93C616}" type="slidenum">
               <a:rPr lang="en-US" smtClean="0"/>
               <a:t>12</a:t>
             </a:fld>
@@ -6619,256 +6324,10 @@
           </a:p>
         </p:txBody>
       </p:sp>
-      <p:pic>
-        <p:nvPicPr>
-          <p:cNvPr id="6" name="Content Placeholder 5">
-            <a:extLst>
-              <a:ext uri="{FF2B5EF4-FFF2-40B4-BE49-F238E27FC236}">
-                <a16:creationId xmlns:a16="http://schemas.microsoft.com/office/drawing/2014/main" id="{4E023167-2B4D-1E45-8102-8E09994D9241}"/>
-              </a:ext>
-            </a:extLst>
-          </p:cNvPr>
-          <p:cNvPicPr>
-            <a:picLocks noGrp="1" noChangeAspect="1"/>
-          </p:cNvPicPr>
-          <p:nvPr>
-            <p:ph idx="1"/>
-          </p:nvPr>
-        </p:nvPicPr>
-        <p:blipFill>
-          <a:blip r:embed="rId2"/>
-          <a:stretch>
-            <a:fillRect/>
-          </a:stretch>
-        </p:blipFill>
-        <p:spPr>
-          <a:xfrm>
-            <a:off x="321889" y="1582666"/>
-            <a:ext cx="3272411" cy="2227798"/>
-          </a:xfrm>
-          <a:prstGeom prst="rect">
-            <a:avLst/>
-          </a:prstGeom>
-        </p:spPr>
-      </p:pic>
-      <p:sp>
-        <p:nvSpPr>
-          <p:cNvPr id="7" name="TextBox 6">
-            <a:extLst>
-              <a:ext uri="{FF2B5EF4-FFF2-40B4-BE49-F238E27FC236}">
-                <a16:creationId xmlns:a16="http://schemas.microsoft.com/office/drawing/2014/main" id="{4EA58279-9DE9-1C46-A699-0DF99037DAB4}"/>
-              </a:ext>
-            </a:extLst>
-          </p:cNvPr>
-          <p:cNvSpPr txBox="1"/>
-          <p:nvPr/>
-        </p:nvSpPr>
-        <p:spPr>
-          <a:xfrm>
-            <a:off x="3898263" y="1622032"/>
-            <a:ext cx="4966957" cy="4524315"/>
-          </a:xfrm>
-          <a:prstGeom prst="rect">
-            <a:avLst/>
-          </a:prstGeom>
-          <a:noFill/>
-        </p:spPr>
-        <p:txBody>
-          <a:bodyPr wrap="square" rtlCol="0">
-            <a:spAutoFit/>
-          </a:bodyPr>
-          <a:lstStyle/>
-          <a:p>
-            <a:pPr marL="285750" indent="-285750">
-              <a:buFont typeface="Arial" panose="020B0604020202020204" pitchFamily="34" charset="0"/>
-              <a:buChar char="•"/>
-            </a:pPr>
-            <a:r>
-              <a:rPr lang="en-US" sz="2400" dirty="0">
-                <a:solidFill>
-                  <a:schemeClr val="tx1">
-                    <a:lumMod val="75000"/>
-                    <a:lumOff val="25000"/>
-                  </a:schemeClr>
-                </a:solidFill>
-              </a:rPr>
-              <a:t>Right Click on a My Block in the Programming Canvas and select “Edit” to edit the My Block. </a:t>
-            </a:r>
-          </a:p>
-          <a:p>
-            <a:pPr marL="285750" indent="-285750">
-              <a:buFont typeface="Arial" panose="020B0604020202020204" pitchFamily="34" charset="0"/>
-              <a:buChar char="•"/>
-            </a:pPr>
-            <a:r>
-              <a:rPr lang="en-US" sz="2400" dirty="0">
-                <a:solidFill>
-                  <a:schemeClr val="tx1">
-                    <a:lumMod val="75000"/>
-                    <a:lumOff val="25000"/>
-                  </a:schemeClr>
-                </a:solidFill>
-              </a:rPr>
-              <a:t>This will take you back to the My Block creation screen where you can edit the name, add inputs, or delete inputs.</a:t>
-            </a:r>
-          </a:p>
-          <a:p>
-            <a:pPr marL="285750" indent="-285750">
-              <a:buFont typeface="Arial" panose="020B0604020202020204" pitchFamily="34" charset="0"/>
-              <a:buChar char="•"/>
-            </a:pPr>
-            <a:r>
-              <a:rPr lang="en-US" sz="2400" dirty="0">
-                <a:solidFill>
-                  <a:schemeClr val="tx1">
-                    <a:lumMod val="75000"/>
-                    <a:lumOff val="25000"/>
-                  </a:schemeClr>
-                </a:solidFill>
-              </a:rPr>
-              <a:t>To delete, you must first right click and press delete on all uses of the My Block in your program. Then, you can press delete on the definition of the My Block.</a:t>
-            </a:r>
-          </a:p>
-        </p:txBody>
-      </p:sp>
-      <p:pic>
-        <p:nvPicPr>
-          <p:cNvPr id="8" name="Picture 7" descr="A screenshot of a cell phone&#10;&#10;Description automatically generated">
-            <a:extLst>
-              <a:ext uri="{FF2B5EF4-FFF2-40B4-BE49-F238E27FC236}">
-                <a16:creationId xmlns:a16="http://schemas.microsoft.com/office/drawing/2014/main" id="{3299ACB1-A3F5-BB4E-9D5D-C2E6EF3C8429}"/>
-              </a:ext>
-            </a:extLst>
-          </p:cNvPr>
-          <p:cNvPicPr>
-            <a:picLocks noChangeAspect="1"/>
-          </p:cNvPicPr>
-          <p:nvPr/>
-        </p:nvPicPr>
-        <p:blipFill>
-          <a:blip r:embed="rId3"/>
-          <a:stretch>
-            <a:fillRect/>
-          </a:stretch>
-        </p:blipFill>
-        <p:spPr>
-          <a:xfrm>
-            <a:off x="458404" y="3993367"/>
-            <a:ext cx="2999380" cy="2283516"/>
-          </a:xfrm>
-          <a:prstGeom prst="rect">
-            <a:avLst/>
-          </a:prstGeom>
-        </p:spPr>
-      </p:pic>
-      <p:sp>
-        <p:nvSpPr>
-          <p:cNvPr id="9" name="Rectangle 8">
-            <a:extLst>
-              <a:ext uri="{FF2B5EF4-FFF2-40B4-BE49-F238E27FC236}">
-                <a16:creationId xmlns:a16="http://schemas.microsoft.com/office/drawing/2014/main" id="{CA6B6F53-0377-B540-895B-D71C864E2952}"/>
-              </a:ext>
-            </a:extLst>
-          </p:cNvPr>
-          <p:cNvSpPr/>
-          <p:nvPr/>
-        </p:nvSpPr>
-        <p:spPr>
-          <a:xfrm>
-            <a:off x="1958094" y="2596056"/>
-            <a:ext cx="1177980" cy="704192"/>
-          </a:xfrm>
-          <a:prstGeom prst="rect">
-            <a:avLst/>
-          </a:prstGeom>
-          <a:noFill/>
-          <a:ln w="57150">
-            <a:solidFill>
-              <a:srgbClr val="0070C0"/>
-            </a:solidFill>
-          </a:ln>
-        </p:spPr>
-        <p:style>
-          <a:lnRef idx="2">
-            <a:schemeClr val="accent1">
-              <a:shade val="50000"/>
-            </a:schemeClr>
-          </a:lnRef>
-          <a:fillRef idx="1">
-            <a:schemeClr val="accent1"/>
-          </a:fillRef>
-          <a:effectRef idx="0">
-            <a:schemeClr val="accent1"/>
-          </a:effectRef>
-          <a:fontRef idx="minor">
-            <a:schemeClr val="lt1"/>
-          </a:fontRef>
-        </p:style>
-        <p:txBody>
-          <a:bodyPr rtlCol="0" anchor="ctr"/>
-          <a:lstStyle/>
-          <a:p>
-            <a:pPr algn="ctr"/>
-            <a:endParaRPr lang="en-US"/>
-          </a:p>
-        </p:txBody>
-      </p:sp>
-      <p:sp>
-        <p:nvSpPr>
-          <p:cNvPr id="10" name="Rectangle 9">
-            <a:extLst>
-              <a:ext uri="{FF2B5EF4-FFF2-40B4-BE49-F238E27FC236}">
-                <a16:creationId xmlns:a16="http://schemas.microsoft.com/office/drawing/2014/main" id="{F30BA32B-549B-D341-BAAC-25898254B526}"/>
-              </a:ext>
-            </a:extLst>
-          </p:cNvPr>
-          <p:cNvSpPr/>
-          <p:nvPr/>
-        </p:nvSpPr>
-        <p:spPr>
-          <a:xfrm>
-            <a:off x="1295534" y="5182644"/>
-            <a:ext cx="1177980" cy="704192"/>
-          </a:xfrm>
-          <a:prstGeom prst="rect">
-            <a:avLst/>
-          </a:prstGeom>
-          <a:noFill/>
-          <a:ln w="57150">
-            <a:solidFill>
-              <a:srgbClr val="0070C0"/>
-            </a:solidFill>
-          </a:ln>
-        </p:spPr>
-        <p:style>
-          <a:lnRef idx="2">
-            <a:schemeClr val="accent1">
-              <a:shade val="50000"/>
-            </a:schemeClr>
-          </a:lnRef>
-          <a:fillRef idx="1">
-            <a:schemeClr val="accent1"/>
-          </a:fillRef>
-          <a:effectRef idx="0">
-            <a:schemeClr val="accent1"/>
-          </a:effectRef>
-          <a:fontRef idx="minor">
-            <a:schemeClr val="lt1"/>
-          </a:fontRef>
-        </p:style>
-        <p:txBody>
-          <a:bodyPr rtlCol="0" anchor="ctr"/>
-          <a:lstStyle/>
-          <a:p>
-            <a:pPr algn="ctr"/>
-            <a:endParaRPr lang="en-US"/>
-          </a:p>
-        </p:txBody>
-      </p:sp>
     </p:spTree>
     <p:extLst>
       <p:ext uri="{BB962C8B-B14F-4D97-AF65-F5344CB8AC3E}">
-        <p14:creationId xmlns:p14="http://schemas.microsoft.com/office/powerpoint/2010/main" val="369094799"/>
+        <p14:creationId xmlns:p14="http://schemas.microsoft.com/office/powerpoint/2010/main" val="3398357641"/>
       </p:ext>
     </p:extLst>
   </p:cSld>
@@ -6897,6 +6356,367 @@
       </p:grpSpPr>
       <p:sp>
         <p:nvSpPr>
+          <p:cNvPr id="2" name="Title 1">
+            <a:extLst>
+              <a:ext uri="{FF2B5EF4-FFF2-40B4-BE49-F238E27FC236}">
+                <a16:creationId xmlns:a16="http://schemas.microsoft.com/office/drawing/2014/main" id="{33F501BC-2A6D-1549-8FCF-3D2B8B699842}"/>
+              </a:ext>
+            </a:extLst>
+          </p:cNvPr>
+          <p:cNvSpPr>
+            <a:spLocks noGrp="1"/>
+          </p:cNvSpPr>
+          <p:nvPr>
+            <p:ph type="title"/>
+          </p:nvPr>
+        </p:nvSpPr>
+        <p:spPr/>
+        <p:txBody>
+          <a:bodyPr/>
+          <a:lstStyle/>
+          <a:p>
+            <a:r>
+              <a:rPr lang="en-US" dirty="0"/>
+              <a:t>How to Edit or Delete a My Block</a:t>
+            </a:r>
+          </a:p>
+        </p:txBody>
+      </p:sp>
+      <p:sp>
+        <p:nvSpPr>
+          <p:cNvPr id="4" name="Footer Placeholder 3">
+            <a:extLst>
+              <a:ext uri="{FF2B5EF4-FFF2-40B4-BE49-F238E27FC236}">
+                <a16:creationId xmlns:a16="http://schemas.microsoft.com/office/drawing/2014/main" id="{0BD0AB4E-86D8-C247-9E9C-E2ECF813816B}"/>
+              </a:ext>
+            </a:extLst>
+          </p:cNvPr>
+          <p:cNvSpPr>
+            <a:spLocks noGrp="1"/>
+          </p:cNvSpPr>
+          <p:nvPr>
+            <p:ph type="ftr" sz="quarter" idx="11"/>
+          </p:nvPr>
+        </p:nvSpPr>
+        <p:spPr/>
+        <p:txBody>
+          <a:bodyPr/>
+          <a:lstStyle/>
+          <a:p>
+            <a:r>
+              <a:rPr lang="en-US"/>
+              <a:t>Copyright © 2020 SPIKE Prime Lessons (primelessons.org) CC-BY-NC-SA.  (Last edit: 5/30/2020)</a:t>
+            </a:r>
+          </a:p>
+        </p:txBody>
+      </p:sp>
+      <p:sp>
+        <p:nvSpPr>
+          <p:cNvPr id="5" name="Slide Number Placeholder 4">
+            <a:extLst>
+              <a:ext uri="{FF2B5EF4-FFF2-40B4-BE49-F238E27FC236}">
+                <a16:creationId xmlns:a16="http://schemas.microsoft.com/office/drawing/2014/main" id="{26D44BCA-3298-894E-BF99-171B17761285}"/>
+              </a:ext>
+            </a:extLst>
+          </p:cNvPr>
+          <p:cNvSpPr>
+            <a:spLocks noGrp="1"/>
+          </p:cNvSpPr>
+          <p:nvPr>
+            <p:ph type="sldNum" sz="quarter" idx="12"/>
+          </p:nvPr>
+        </p:nvSpPr>
+        <p:spPr/>
+        <p:txBody>
+          <a:bodyPr/>
+          <a:lstStyle/>
+          <a:p>
+            <a:fld id="{4382A7F7-08BF-4252-8141-63FB96055BBB}" type="slidenum">
+              <a:rPr lang="en-US" smtClean="0"/>
+              <a:t>13</a:t>
+            </a:fld>
+            <a:endParaRPr lang="en-US"/>
+          </a:p>
+        </p:txBody>
+      </p:sp>
+      <p:pic>
+        <p:nvPicPr>
+          <p:cNvPr id="6" name="Content Placeholder 5">
+            <a:extLst>
+              <a:ext uri="{FF2B5EF4-FFF2-40B4-BE49-F238E27FC236}">
+                <a16:creationId xmlns:a16="http://schemas.microsoft.com/office/drawing/2014/main" id="{4E023167-2B4D-1E45-8102-8E09994D9241}"/>
+              </a:ext>
+            </a:extLst>
+          </p:cNvPr>
+          <p:cNvPicPr>
+            <a:picLocks noGrp="1" noChangeAspect="1"/>
+          </p:cNvPicPr>
+          <p:nvPr>
+            <p:ph idx="1"/>
+          </p:nvPr>
+        </p:nvPicPr>
+        <p:blipFill>
+          <a:blip r:embed="rId2"/>
+          <a:stretch>
+            <a:fillRect/>
+          </a:stretch>
+        </p:blipFill>
+        <p:spPr>
+          <a:xfrm>
+            <a:off x="321889" y="1582666"/>
+            <a:ext cx="3272411" cy="2227798"/>
+          </a:xfrm>
+          <a:prstGeom prst="rect">
+            <a:avLst/>
+          </a:prstGeom>
+        </p:spPr>
+      </p:pic>
+      <p:sp>
+        <p:nvSpPr>
+          <p:cNvPr id="7" name="TextBox 6">
+            <a:extLst>
+              <a:ext uri="{FF2B5EF4-FFF2-40B4-BE49-F238E27FC236}">
+                <a16:creationId xmlns:a16="http://schemas.microsoft.com/office/drawing/2014/main" id="{4EA58279-9DE9-1C46-A699-0DF99037DAB4}"/>
+              </a:ext>
+            </a:extLst>
+          </p:cNvPr>
+          <p:cNvSpPr txBox="1"/>
+          <p:nvPr/>
+        </p:nvSpPr>
+        <p:spPr>
+          <a:xfrm>
+            <a:off x="3898263" y="1622032"/>
+            <a:ext cx="4966957" cy="4524315"/>
+          </a:xfrm>
+          <a:prstGeom prst="rect">
+            <a:avLst/>
+          </a:prstGeom>
+          <a:noFill/>
+        </p:spPr>
+        <p:txBody>
+          <a:bodyPr wrap="square" rtlCol="0">
+            <a:spAutoFit/>
+          </a:bodyPr>
+          <a:lstStyle/>
+          <a:p>
+            <a:pPr marL="285750" indent="-285750">
+              <a:buFont typeface="Arial" panose="020B0604020202020204" pitchFamily="34" charset="0"/>
+              <a:buChar char="•"/>
+            </a:pPr>
+            <a:r>
+              <a:rPr lang="en-US" sz="2400" dirty="0">
+                <a:solidFill>
+                  <a:schemeClr val="tx1">
+                    <a:lumMod val="75000"/>
+                    <a:lumOff val="25000"/>
+                  </a:schemeClr>
+                </a:solidFill>
+              </a:rPr>
+              <a:t>Right Click on a My Block in the Programming Canvas and select “Edit” to edit the My Block. </a:t>
+            </a:r>
+          </a:p>
+          <a:p>
+            <a:pPr marL="285750" indent="-285750">
+              <a:buFont typeface="Arial" panose="020B0604020202020204" pitchFamily="34" charset="0"/>
+              <a:buChar char="•"/>
+            </a:pPr>
+            <a:r>
+              <a:rPr lang="en-US" sz="2400" dirty="0">
+                <a:solidFill>
+                  <a:schemeClr val="tx1">
+                    <a:lumMod val="75000"/>
+                    <a:lumOff val="25000"/>
+                  </a:schemeClr>
+                </a:solidFill>
+              </a:rPr>
+              <a:t>This will take you back to the My Block creation screen where you can edit the name, add inputs, or delete inputs.</a:t>
+            </a:r>
+          </a:p>
+          <a:p>
+            <a:pPr marL="285750" indent="-285750">
+              <a:buFont typeface="Arial" panose="020B0604020202020204" pitchFamily="34" charset="0"/>
+              <a:buChar char="•"/>
+            </a:pPr>
+            <a:r>
+              <a:rPr lang="en-US" sz="2400" dirty="0">
+                <a:solidFill>
+                  <a:schemeClr val="tx1">
+                    <a:lumMod val="75000"/>
+                    <a:lumOff val="25000"/>
+                  </a:schemeClr>
+                </a:solidFill>
+              </a:rPr>
+              <a:t>To delete, you must first right click and press delete on all uses of the My Block in your program. Then, you can press delete on the definition of the My Block.</a:t>
+            </a:r>
+          </a:p>
+        </p:txBody>
+      </p:sp>
+      <p:pic>
+        <p:nvPicPr>
+          <p:cNvPr id="8" name="Picture 7" descr="A screenshot of a cell phone&#10;&#10;Description automatically generated">
+            <a:extLst>
+              <a:ext uri="{FF2B5EF4-FFF2-40B4-BE49-F238E27FC236}">
+                <a16:creationId xmlns:a16="http://schemas.microsoft.com/office/drawing/2014/main" id="{3299ACB1-A3F5-BB4E-9D5D-C2E6EF3C8429}"/>
+              </a:ext>
+            </a:extLst>
+          </p:cNvPr>
+          <p:cNvPicPr>
+            <a:picLocks noChangeAspect="1"/>
+          </p:cNvPicPr>
+          <p:nvPr/>
+        </p:nvPicPr>
+        <p:blipFill>
+          <a:blip r:embed="rId3"/>
+          <a:stretch>
+            <a:fillRect/>
+          </a:stretch>
+        </p:blipFill>
+        <p:spPr>
+          <a:xfrm>
+            <a:off x="458404" y="3993367"/>
+            <a:ext cx="2999380" cy="2283516"/>
+          </a:xfrm>
+          <a:prstGeom prst="rect">
+            <a:avLst/>
+          </a:prstGeom>
+        </p:spPr>
+      </p:pic>
+      <p:sp>
+        <p:nvSpPr>
+          <p:cNvPr id="9" name="Rectangle 8">
+            <a:extLst>
+              <a:ext uri="{FF2B5EF4-FFF2-40B4-BE49-F238E27FC236}">
+                <a16:creationId xmlns:a16="http://schemas.microsoft.com/office/drawing/2014/main" id="{CA6B6F53-0377-B540-895B-D71C864E2952}"/>
+              </a:ext>
+            </a:extLst>
+          </p:cNvPr>
+          <p:cNvSpPr/>
+          <p:nvPr/>
+        </p:nvSpPr>
+        <p:spPr>
+          <a:xfrm>
+            <a:off x="1958094" y="2596056"/>
+            <a:ext cx="1177980" cy="704192"/>
+          </a:xfrm>
+          <a:prstGeom prst="rect">
+            <a:avLst/>
+          </a:prstGeom>
+          <a:noFill/>
+          <a:ln w="57150">
+            <a:solidFill>
+              <a:srgbClr val="0070C0"/>
+            </a:solidFill>
+          </a:ln>
+        </p:spPr>
+        <p:style>
+          <a:lnRef idx="2">
+            <a:schemeClr val="accent1">
+              <a:shade val="50000"/>
+            </a:schemeClr>
+          </a:lnRef>
+          <a:fillRef idx="1">
+            <a:schemeClr val="accent1"/>
+          </a:fillRef>
+          <a:effectRef idx="0">
+            <a:schemeClr val="accent1"/>
+          </a:effectRef>
+          <a:fontRef idx="minor">
+            <a:schemeClr val="lt1"/>
+          </a:fontRef>
+        </p:style>
+        <p:txBody>
+          <a:bodyPr rtlCol="0" anchor="ctr"/>
+          <a:lstStyle/>
+          <a:p>
+            <a:pPr algn="ctr"/>
+            <a:endParaRPr lang="en-US"/>
+          </a:p>
+        </p:txBody>
+      </p:sp>
+      <p:sp>
+        <p:nvSpPr>
+          <p:cNvPr id="10" name="Rectangle 9">
+            <a:extLst>
+              <a:ext uri="{FF2B5EF4-FFF2-40B4-BE49-F238E27FC236}">
+                <a16:creationId xmlns:a16="http://schemas.microsoft.com/office/drawing/2014/main" id="{F30BA32B-549B-D341-BAAC-25898254B526}"/>
+              </a:ext>
+            </a:extLst>
+          </p:cNvPr>
+          <p:cNvSpPr/>
+          <p:nvPr/>
+        </p:nvSpPr>
+        <p:spPr>
+          <a:xfrm>
+            <a:off x="1295534" y="5182644"/>
+            <a:ext cx="1177980" cy="704192"/>
+          </a:xfrm>
+          <a:prstGeom prst="rect">
+            <a:avLst/>
+          </a:prstGeom>
+          <a:noFill/>
+          <a:ln w="57150">
+            <a:solidFill>
+              <a:srgbClr val="0070C0"/>
+            </a:solidFill>
+          </a:ln>
+        </p:spPr>
+        <p:style>
+          <a:lnRef idx="2">
+            <a:schemeClr val="accent1">
+              <a:shade val="50000"/>
+            </a:schemeClr>
+          </a:lnRef>
+          <a:fillRef idx="1">
+            <a:schemeClr val="accent1"/>
+          </a:fillRef>
+          <a:effectRef idx="0">
+            <a:schemeClr val="accent1"/>
+          </a:effectRef>
+          <a:fontRef idx="minor">
+            <a:schemeClr val="lt1"/>
+          </a:fontRef>
+        </p:style>
+        <p:txBody>
+          <a:bodyPr rtlCol="0" anchor="ctr"/>
+          <a:lstStyle/>
+          <a:p>
+            <a:pPr algn="ctr"/>
+            <a:endParaRPr lang="en-US"/>
+          </a:p>
+        </p:txBody>
+      </p:sp>
+    </p:spTree>
+    <p:extLst>
+      <p:ext uri="{BB962C8B-B14F-4D97-AF65-F5344CB8AC3E}">
+        <p14:creationId xmlns:p14="http://schemas.microsoft.com/office/powerpoint/2010/main" val="369094799"/>
+      </p:ext>
+    </p:extLst>
+  </p:cSld>
+  <p:clrMapOvr>
+    <a:masterClrMapping/>
+  </p:clrMapOvr>
+</p:sld>
+</file>
+
+<file path=ppt/slides/slide14.xml><?xml version="1.0" encoding="utf-8"?>
+<p:sld xmlns:a="http://schemas.openxmlformats.org/drawingml/2006/main" xmlns:r="http://schemas.openxmlformats.org/officeDocument/2006/relationships" xmlns:p="http://schemas.openxmlformats.org/presentationml/2006/main">
+  <p:cSld>
+    <p:spTree>
+      <p:nvGrpSpPr>
+        <p:cNvPr id="1" name=""/>
+        <p:cNvGrpSpPr/>
+        <p:nvPr/>
+      </p:nvGrpSpPr>
+      <p:grpSpPr>
+        <a:xfrm>
+          <a:off x="0" y="0"/>
+          <a:ext cx="0" cy="0"/>
+          <a:chOff x="0" y="0"/>
+          <a:chExt cx="0" cy="0"/>
+        </a:xfrm>
+      </p:grpSpPr>
+      <p:sp>
+        <p:nvSpPr>
           <p:cNvPr id="2" name="Title 1"/>
           <p:cNvSpPr>
             <a:spLocks noGrp="1"/>
@@ -7000,7 +6820,7 @@
           <a:effectLst/>
           <a:extLst>
             <a:ext uri="{91240B29-F687-4f45-9708-019B960494DF}">
-              <a14:hiddenLine xmlns="" xmlns:a14="http://schemas.microsoft.com/office/drawing/2010/main" w="9525">
+              <a14:hiddenLine xmlns:a14="http://schemas.microsoft.com/office/drawing/2010/main" xmlns="" w="9525">
                 <a:solidFill>
                   <a:schemeClr val="tx1"/>
                 </a:solidFill>
@@ -7010,7 +6830,7 @@
               </a14:hiddenLine>
             </a:ext>
             <a:ext uri="{AF507438-7753-43e0-B8FC-AC1667EBCBE1}">
-              <a14:hiddenEffects xmlns="" xmlns:a14="http://schemas.microsoft.com/office/drawing/2010/main">
+              <a14:hiddenEffects xmlns:a14="http://schemas.microsoft.com/office/drawing/2010/main" xmlns="">
                 <a:effectLst>
                   <a:outerShdw dist="35921" dir="2700000" algn="ctr" rotWithShape="0">
                     <a:schemeClr val="bg2"/>
@@ -7351,7 +7171,7 @@
           <a:noFill/>
           <a:extLst>
             <a:ext uri="{909E8E84-426E-40dd-AFC4-6F175D3DCCD1}">
-              <a14:hiddenFill xmlns="" xmlns:a14="http://schemas.microsoft.com/office/drawing/2010/main">
+              <a14:hiddenFill xmlns:a14="http://schemas.microsoft.com/office/drawing/2010/main" xmlns="">
                 <a:solidFill>
                   <a:srgbClr val="FFFFFF"/>
                 </a:solidFill>
@@ -7383,7 +7203,7 @@
           <a:p>
             <a:fld id="{BBD74847-7BE4-4E4D-8159-51DF7B93C616}" type="slidenum">
               <a:rPr lang="en-US" smtClean="0"/>
-              <a:t>13</a:t>
+              <a:t>14</a:t>
             </a:fld>
             <a:endParaRPr lang="en-US"/>
           </a:p>
@@ -9367,10 +9187,10 @@
       </p:grpSpPr>
       <p:sp>
         <p:nvSpPr>
-          <p:cNvPr id="2" name="Title 1">
+          <p:cNvPr id="7" name="Title 6">
             <a:extLst>
               <a:ext uri="{FF2B5EF4-FFF2-40B4-BE49-F238E27FC236}">
-                <a16:creationId xmlns:a16="http://schemas.microsoft.com/office/drawing/2014/main" id="{3569D470-FCCA-304B-BAA8-4278F7F43A74}"/>
+                <a16:creationId xmlns:a16="http://schemas.microsoft.com/office/drawing/2014/main" id="{76CBC77D-48F6-DB4B-A3C5-C8B045C6584D}"/>
               </a:ext>
             </a:extLst>
           </p:cNvPr>
@@ -9388,8 +9208,68 @@
           <a:p>
             <a:r>
               <a:rPr lang="en-US" dirty="0"/>
-              <a:t>Step 3: My Block Location</a:t>
-            </a:r>
+              <a:t>Step 3: Defining the My Block</a:t>
+            </a:r>
+          </a:p>
+        </p:txBody>
+      </p:sp>
+      <p:sp>
+        <p:nvSpPr>
+          <p:cNvPr id="12" name="Content Placeholder 11">
+            <a:extLst>
+              <a:ext uri="{FF2B5EF4-FFF2-40B4-BE49-F238E27FC236}">
+                <a16:creationId xmlns:a16="http://schemas.microsoft.com/office/drawing/2014/main" id="{9DEDC046-A09A-AA4E-A4E2-546B485A6C1E}"/>
+              </a:ext>
+            </a:extLst>
+          </p:cNvPr>
+          <p:cNvSpPr>
+            <a:spLocks noGrp="1"/>
+          </p:cNvSpPr>
+          <p:nvPr>
+            <p:ph idx="1"/>
+          </p:nvPr>
+        </p:nvSpPr>
+        <p:spPr>
+          <a:xfrm>
+            <a:off x="155088" y="1140006"/>
+            <a:ext cx="4663492" cy="5082601"/>
+          </a:xfrm>
+        </p:spPr>
+        <p:txBody>
+          <a:bodyPr/>
+          <a:lstStyle/>
+          <a:p>
+            <a:r>
+              <a:rPr lang="en-US" dirty="0"/>
+              <a:t>Once you click ”Save,” a Define Block appears in the canvas.</a:t>
+            </a:r>
+          </a:p>
+          <a:p>
+            <a:r>
+              <a:rPr lang="en-US" dirty="0"/>
+              <a:t>The code for the My Block goes under the Define Block.</a:t>
+            </a:r>
+          </a:p>
+          <a:p>
+            <a:r>
+              <a:rPr lang="en-US" dirty="0"/>
+              <a:t>Add the programming blocks that you want in your My Block under the Define Block. </a:t>
+            </a:r>
+          </a:p>
+          <a:p>
+            <a:r>
+              <a:rPr lang="en-US" dirty="0"/>
+              <a:t>To use the inputs from the My Block, drag the oval inputs from the Define Block to the places where you need them as demonstrated in the images to the right.</a:t>
+            </a:r>
+          </a:p>
+          <a:p>
+            <a:r>
+              <a:rPr lang="en-US" dirty="0"/>
+              <a:t>The code on the right sets up a My Block that takes in speed and rotations and moves straight with the speed and rotations inputted.</a:t>
+            </a:r>
+          </a:p>
+          <a:p>
+            <a:endParaRPr lang="en-US" dirty="0"/>
           </a:p>
         </p:txBody>
       </p:sp>
@@ -9398,7 +9278,7 @@
           <p:cNvPr id="4" name="Footer Placeholder 3">
             <a:extLst>
               <a:ext uri="{FF2B5EF4-FFF2-40B4-BE49-F238E27FC236}">
-                <a16:creationId xmlns:a16="http://schemas.microsoft.com/office/drawing/2014/main" id="{BC74F7AE-EC89-1D46-8312-F91B2CF09A63}"/>
+                <a16:creationId xmlns:a16="http://schemas.microsoft.com/office/drawing/2014/main" id="{AB251964-C6F0-A842-BB77-0CFE99F4C475}"/>
               </a:ext>
             </a:extLst>
           </p:cNvPr>
@@ -9426,7 +9306,7 @@
           <p:cNvPr id="5" name="Slide Number Placeholder 4">
             <a:extLst>
               <a:ext uri="{FF2B5EF4-FFF2-40B4-BE49-F238E27FC236}">
-                <a16:creationId xmlns:a16="http://schemas.microsoft.com/office/drawing/2014/main" id="{52DD4BE6-8EE0-5848-837F-CDD66AE413FD}"/>
+                <a16:creationId xmlns:a16="http://schemas.microsoft.com/office/drawing/2014/main" id="{21B061F9-8230-D849-85D3-FCCB9C949D80}"/>
               </a:ext>
             </a:extLst>
           </p:cNvPr>
@@ -9444,48 +9324,152 @@
           <a:p>
             <a:fld id="{4382A7F7-08BF-4252-8141-63FB96055BBB}" type="slidenum">
               <a:rPr lang="en-US" smtClean="0"/>
+              <a:pPr/>
               <a:t>9</a:t>
             </a:fld>
             <a:endParaRPr lang="en-US"/>
           </a:p>
         </p:txBody>
       </p:sp>
-      <p:pic>
-        <p:nvPicPr>
-          <p:cNvPr id="6" name="Picture 5" descr="A screenshot of a cell phone&#10;&#10;Description automatically generated">
+      <p:grpSp>
+        <p:nvGrpSpPr>
+          <p:cNvPr id="17" name="Group 16">
             <a:extLst>
               <a:ext uri="{FF2B5EF4-FFF2-40B4-BE49-F238E27FC236}">
-                <a16:creationId xmlns:a16="http://schemas.microsoft.com/office/drawing/2014/main" id="{672796B0-2B67-BC4F-93B8-75ACBB34A61B}"/>
+                <a16:creationId xmlns:a16="http://schemas.microsoft.com/office/drawing/2014/main" id="{6B3DA0BB-B532-9B42-BC22-4D0DDFE5EE20}"/>
               </a:ext>
             </a:extLst>
           </p:cNvPr>
-          <p:cNvPicPr>
-            <a:picLocks noChangeAspect="1"/>
-          </p:cNvPicPr>
+          <p:cNvGrpSpPr/>
           <p:nvPr/>
-        </p:nvPicPr>
-        <p:blipFill>
-          <a:blip r:embed="rId2"/>
-          <a:stretch>
-            <a:fillRect/>
-          </a:stretch>
-        </p:blipFill>
-        <p:spPr>
-          <a:xfrm>
-            <a:off x="526933" y="4965223"/>
-            <a:ext cx="5524416" cy="975501"/>
-          </a:xfrm>
-          <a:prstGeom prst="rect">
-            <a:avLst/>
-          </a:prstGeom>
-        </p:spPr>
-      </p:pic>
+        </p:nvGrpSpPr>
+        <p:grpSpPr>
+          <a:xfrm>
+            <a:off x="4818580" y="2764337"/>
+            <a:ext cx="3775528" cy="916969"/>
+            <a:chOff x="399325" y="1752477"/>
+            <a:chExt cx="6908800" cy="1879600"/>
+          </a:xfrm>
+        </p:grpSpPr>
+        <p:pic>
+          <p:nvPicPr>
+            <p:cNvPr id="6" name="Picture 5" descr="A screenshot of a cell phone&#10;&#10;Description automatically generated">
+              <a:extLst>
+                <a:ext uri="{FF2B5EF4-FFF2-40B4-BE49-F238E27FC236}">
+                  <a16:creationId xmlns:a16="http://schemas.microsoft.com/office/drawing/2014/main" id="{2E7804B7-F068-5843-8AE9-77DBE69581C5}"/>
+                </a:ext>
+              </a:extLst>
+            </p:cNvPr>
+            <p:cNvPicPr>
+              <a:picLocks noChangeAspect="1"/>
+            </p:cNvPicPr>
+            <p:nvPr/>
+          </p:nvPicPr>
+          <p:blipFill>
+            <a:blip r:embed="rId2"/>
+            <a:stretch>
+              <a:fillRect/>
+            </a:stretch>
+          </p:blipFill>
+          <p:spPr>
+            <a:xfrm>
+              <a:off x="399325" y="1752477"/>
+              <a:ext cx="6908800" cy="1879600"/>
+            </a:xfrm>
+            <a:prstGeom prst="rect">
+              <a:avLst/>
+            </a:prstGeom>
+          </p:spPr>
+        </p:pic>
+        <p:cxnSp>
+          <p:nvCxnSpPr>
+            <p:cNvPr id="8" name="Straight Arrow Connector 7">
+              <a:extLst>
+                <a:ext uri="{FF2B5EF4-FFF2-40B4-BE49-F238E27FC236}">
+                  <a16:creationId xmlns:a16="http://schemas.microsoft.com/office/drawing/2014/main" id="{D60D42F7-E7F8-0B42-A747-EDAC6BF31413}"/>
+                </a:ext>
+              </a:extLst>
+            </p:cNvPr>
+            <p:cNvCxnSpPr>
+              <a:cxnSpLocks/>
+            </p:cNvCxnSpPr>
+            <p:nvPr/>
+          </p:nvCxnSpPr>
+          <p:spPr>
+            <a:xfrm>
+              <a:off x="4065814" y="2547257"/>
+              <a:ext cx="1518557" cy="408214"/>
+            </a:xfrm>
+            <a:prstGeom prst="straightConnector1">
+              <a:avLst/>
+            </a:prstGeom>
+            <a:ln w="57150">
+              <a:tailEnd type="triangle"/>
+            </a:ln>
+          </p:spPr>
+          <p:style>
+            <a:lnRef idx="1">
+              <a:schemeClr val="accent1"/>
+            </a:lnRef>
+            <a:fillRef idx="0">
+              <a:schemeClr val="accent1"/>
+            </a:fillRef>
+            <a:effectRef idx="0">
+              <a:schemeClr val="accent1"/>
+            </a:effectRef>
+            <a:fontRef idx="minor">
+              <a:schemeClr val="tx1"/>
+            </a:fontRef>
+          </p:style>
+        </p:cxnSp>
+        <p:cxnSp>
+          <p:nvCxnSpPr>
+            <p:cNvPr id="10" name="Straight Arrow Connector 9">
+              <a:extLst>
+                <a:ext uri="{FF2B5EF4-FFF2-40B4-BE49-F238E27FC236}">
+                  <a16:creationId xmlns:a16="http://schemas.microsoft.com/office/drawing/2014/main" id="{F10A845A-66B2-7A46-955F-CEC1CA539270}"/>
+                </a:ext>
+              </a:extLst>
+            </p:cNvPr>
+            <p:cNvCxnSpPr>
+              <a:cxnSpLocks/>
+            </p:cNvCxnSpPr>
+            <p:nvPr/>
+          </p:nvCxnSpPr>
+          <p:spPr>
+            <a:xfrm flipH="1">
+              <a:off x="3788409" y="2509300"/>
+              <a:ext cx="1240790" cy="408214"/>
+            </a:xfrm>
+            <a:prstGeom prst="straightConnector1">
+              <a:avLst/>
+            </a:prstGeom>
+            <a:ln w="57150">
+              <a:tailEnd type="triangle"/>
+            </a:ln>
+          </p:spPr>
+          <p:style>
+            <a:lnRef idx="1">
+              <a:schemeClr val="accent1"/>
+            </a:lnRef>
+            <a:fillRef idx="0">
+              <a:schemeClr val="accent1"/>
+            </a:fillRef>
+            <a:effectRef idx="0">
+              <a:schemeClr val="accent1"/>
+            </a:effectRef>
+            <a:fontRef idx="minor">
+              <a:schemeClr val="tx1"/>
+            </a:fontRef>
+          </p:style>
+        </p:cxnSp>
+      </p:grpSp>
       <p:pic>
         <p:nvPicPr>
-          <p:cNvPr id="10" name="Picture 9" descr="A screenshot of a cell phone&#10;&#10;Description automatically generated">
+          <p:cNvPr id="16" name="Content Placeholder 14" descr="A screenshot of a cell phone&#10;&#10;Description automatically generated">
             <a:extLst>
               <a:ext uri="{FF2B5EF4-FFF2-40B4-BE49-F238E27FC236}">
-                <a16:creationId xmlns:a16="http://schemas.microsoft.com/office/drawing/2014/main" id="{526E5C3F-3FD5-5A46-9401-A5F3BB9F610A}"/>
+                <a16:creationId xmlns:a16="http://schemas.microsoft.com/office/drawing/2014/main" id="{AFD1921A-5C73-1F4C-9790-F157C8F7C0E9}"/>
               </a:ext>
             </a:extLst>
           </p:cNvPr>
@@ -9502,339 +9486,50 @@
         </p:blipFill>
         <p:spPr>
           <a:xfrm>
-            <a:off x="6670905" y="1161143"/>
-            <a:ext cx="2274476" cy="5143250"/>
+            <a:off x="4803906" y="4354245"/>
+            <a:ext cx="4185006" cy="1027166"/>
           </a:xfrm>
           <a:prstGeom prst="rect">
             <a:avLst/>
           </a:prstGeom>
         </p:spPr>
       </p:pic>
-      <p:sp>
-        <p:nvSpPr>
-          <p:cNvPr id="12" name="Content Placeholder 19">
+      <p:pic>
+        <p:nvPicPr>
+          <p:cNvPr id="21" name="Picture 20" descr="A screenshot of a cell phone&#10;&#10;Description automatically generated">
             <a:extLst>
               <a:ext uri="{FF2B5EF4-FFF2-40B4-BE49-F238E27FC236}">
-                <a16:creationId xmlns:a16="http://schemas.microsoft.com/office/drawing/2014/main" id="{87899EAD-2C67-BD42-A2FA-AA7F4EED83CD}"/>
+                <a16:creationId xmlns:a16="http://schemas.microsoft.com/office/drawing/2014/main" id="{357F7BC2-D85A-8F40-BC6F-612D16062EA5}"/>
               </a:ext>
             </a:extLst>
           </p:cNvPr>
-          <p:cNvSpPr txBox="1">
-            <a:spLocks/>
-          </p:cNvSpPr>
+          <p:cNvPicPr>
+            <a:picLocks noChangeAspect="1"/>
+          </p:cNvPicPr>
           <p:nvPr/>
-        </p:nvSpPr>
-        <p:spPr>
-          <a:xfrm>
-            <a:off x="329882" y="1484555"/>
-            <a:ext cx="5918518" cy="3480668"/>
+        </p:nvPicPr>
+        <p:blipFill>
+          <a:blip r:embed="rId4"/>
+          <a:stretch>
+            <a:fillRect/>
+          </a:stretch>
+        </p:blipFill>
+        <p:spPr>
+          <a:xfrm>
+            <a:off x="4818580" y="1476589"/>
+            <a:ext cx="3737803" cy="660021"/>
           </a:xfrm>
           <a:prstGeom prst="rect">
             <a:avLst/>
           </a:prstGeom>
         </p:spPr>
-        <p:txBody>
-          <a:bodyPr vert="horz" lIns="0" tIns="45720" rIns="0" bIns="45720" rtlCol="0">
-            <a:normAutofit/>
-          </a:bodyPr>
-          <a:lstStyle>
-            <a:lvl1pPr marL="91440" indent="-91440" algn="l" defTabSz="914400" rtl="0" eaLnBrk="1" latinLnBrk="0" hangingPunct="1">
-              <a:lnSpc>
-                <a:spcPct val="90000"/>
-              </a:lnSpc>
-              <a:spcBef>
-                <a:spcPts val="1200"/>
-              </a:spcBef>
-              <a:spcAft>
-                <a:spcPts val="200"/>
-              </a:spcAft>
-              <a:buClr>
-                <a:schemeClr val="accent1"/>
-              </a:buClr>
-              <a:buSzPct val="100000"/>
-              <a:buFont typeface="Calibri" panose="020F0502020204030204" pitchFamily="34" charset="0"/>
-              <a:buChar char=" "/>
-              <a:defRPr sz="2000" kern="1200">
-                <a:solidFill>
-                  <a:schemeClr val="tx1">
-                    <a:lumMod val="75000"/>
-                    <a:lumOff val="25000"/>
-                  </a:schemeClr>
-                </a:solidFill>
-                <a:latin typeface="+mn-lt"/>
-                <a:ea typeface="+mn-ea"/>
-                <a:cs typeface="+mn-cs"/>
-              </a:defRPr>
-            </a:lvl1pPr>
-            <a:lvl2pPr marL="384048" indent="-182880" algn="l" defTabSz="914400" rtl="0" eaLnBrk="1" latinLnBrk="0" hangingPunct="1">
-              <a:lnSpc>
-                <a:spcPct val="90000"/>
-              </a:lnSpc>
-              <a:spcBef>
-                <a:spcPts val="200"/>
-              </a:spcBef>
-              <a:spcAft>
-                <a:spcPts val="400"/>
-              </a:spcAft>
-              <a:buClr>
-                <a:schemeClr val="accent1"/>
-              </a:buClr>
-              <a:buFont typeface="Calibri" pitchFamily="34" charset="0"/>
-              <a:buChar char="◦"/>
-              <a:defRPr sz="1800" kern="1200">
-                <a:solidFill>
-                  <a:schemeClr val="tx1">
-                    <a:lumMod val="75000"/>
-                    <a:lumOff val="25000"/>
-                  </a:schemeClr>
-                </a:solidFill>
-                <a:latin typeface="+mn-lt"/>
-                <a:ea typeface="+mn-ea"/>
-                <a:cs typeface="+mn-cs"/>
-              </a:defRPr>
-            </a:lvl2pPr>
-            <a:lvl3pPr marL="566928" indent="-182880" algn="l" defTabSz="914400" rtl="0" eaLnBrk="1" latinLnBrk="0" hangingPunct="1">
-              <a:lnSpc>
-                <a:spcPct val="90000"/>
-              </a:lnSpc>
-              <a:spcBef>
-                <a:spcPts val="200"/>
-              </a:spcBef>
-              <a:spcAft>
-                <a:spcPts val="400"/>
-              </a:spcAft>
-              <a:buClr>
-                <a:schemeClr val="accent1"/>
-              </a:buClr>
-              <a:buFont typeface="Calibri" pitchFamily="34" charset="0"/>
-              <a:buChar char="◦"/>
-              <a:defRPr sz="1400" kern="1200">
-                <a:solidFill>
-                  <a:schemeClr val="tx1">
-                    <a:lumMod val="75000"/>
-                    <a:lumOff val="25000"/>
-                  </a:schemeClr>
-                </a:solidFill>
-                <a:latin typeface="+mn-lt"/>
-                <a:ea typeface="+mn-ea"/>
-                <a:cs typeface="+mn-cs"/>
-              </a:defRPr>
-            </a:lvl3pPr>
-            <a:lvl4pPr marL="749808" indent="-182880" algn="l" defTabSz="914400" rtl="0" eaLnBrk="1" latinLnBrk="0" hangingPunct="1">
-              <a:lnSpc>
-                <a:spcPct val="90000"/>
-              </a:lnSpc>
-              <a:spcBef>
-                <a:spcPts val="200"/>
-              </a:spcBef>
-              <a:spcAft>
-                <a:spcPts val="400"/>
-              </a:spcAft>
-              <a:buClr>
-                <a:schemeClr val="accent1"/>
-              </a:buClr>
-              <a:buFont typeface="Calibri" pitchFamily="34" charset="0"/>
-              <a:buChar char="◦"/>
-              <a:defRPr sz="1400" kern="1200">
-                <a:solidFill>
-                  <a:schemeClr val="tx1">
-                    <a:lumMod val="75000"/>
-                    <a:lumOff val="25000"/>
-                  </a:schemeClr>
-                </a:solidFill>
-                <a:latin typeface="+mn-lt"/>
-                <a:ea typeface="+mn-ea"/>
-                <a:cs typeface="+mn-cs"/>
-              </a:defRPr>
-            </a:lvl4pPr>
-            <a:lvl5pPr marL="932688" indent="-182880" algn="l" defTabSz="914400" rtl="0" eaLnBrk="1" latinLnBrk="0" hangingPunct="1">
-              <a:lnSpc>
-                <a:spcPct val="90000"/>
-              </a:lnSpc>
-              <a:spcBef>
-                <a:spcPts val="200"/>
-              </a:spcBef>
-              <a:spcAft>
-                <a:spcPts val="400"/>
-              </a:spcAft>
-              <a:buClr>
-                <a:schemeClr val="accent1"/>
-              </a:buClr>
-              <a:buFont typeface="Calibri" pitchFamily="34" charset="0"/>
-              <a:buChar char="◦"/>
-              <a:defRPr sz="1400" kern="1200">
-                <a:solidFill>
-                  <a:schemeClr val="tx1">
-                    <a:lumMod val="75000"/>
-                    <a:lumOff val="25000"/>
-                  </a:schemeClr>
-                </a:solidFill>
-                <a:latin typeface="+mn-lt"/>
-                <a:ea typeface="+mn-ea"/>
-                <a:cs typeface="+mn-cs"/>
-              </a:defRPr>
-            </a:lvl5pPr>
-            <a:lvl6pPr marL="1100000" indent="-228600" algn="l" defTabSz="914400" rtl="0" eaLnBrk="1" latinLnBrk="0" hangingPunct="1">
-              <a:lnSpc>
-                <a:spcPct val="90000"/>
-              </a:lnSpc>
-              <a:spcBef>
-                <a:spcPts val="200"/>
-              </a:spcBef>
-              <a:spcAft>
-                <a:spcPts val="400"/>
-              </a:spcAft>
-              <a:buClr>
-                <a:schemeClr val="accent1"/>
-              </a:buClr>
-              <a:buFont typeface="Calibri" pitchFamily="34" charset="0"/>
-              <a:buChar char="◦"/>
-              <a:defRPr sz="1400" kern="1200">
-                <a:solidFill>
-                  <a:schemeClr val="tx1">
-                    <a:lumMod val="75000"/>
-                    <a:lumOff val="25000"/>
-                  </a:schemeClr>
-                </a:solidFill>
-                <a:latin typeface="+mn-lt"/>
-                <a:ea typeface="+mn-ea"/>
-                <a:cs typeface="+mn-cs"/>
-              </a:defRPr>
-            </a:lvl6pPr>
-            <a:lvl7pPr marL="1300000" indent="-228600" algn="l" defTabSz="914400" rtl="0" eaLnBrk="1" latinLnBrk="0" hangingPunct="1">
-              <a:lnSpc>
-                <a:spcPct val="90000"/>
-              </a:lnSpc>
-              <a:spcBef>
-                <a:spcPts val="200"/>
-              </a:spcBef>
-              <a:spcAft>
-                <a:spcPts val="400"/>
-              </a:spcAft>
-              <a:buClr>
-                <a:schemeClr val="accent1"/>
-              </a:buClr>
-              <a:buFont typeface="Calibri" pitchFamily="34" charset="0"/>
-              <a:buChar char="◦"/>
-              <a:defRPr sz="1400" kern="1200">
-                <a:solidFill>
-                  <a:schemeClr val="tx1">
-                    <a:lumMod val="75000"/>
-                    <a:lumOff val="25000"/>
-                  </a:schemeClr>
-                </a:solidFill>
-                <a:latin typeface="+mn-lt"/>
-                <a:ea typeface="+mn-ea"/>
-                <a:cs typeface="+mn-cs"/>
-              </a:defRPr>
-            </a:lvl7pPr>
-            <a:lvl8pPr marL="1500000" indent="-228600" algn="l" defTabSz="914400" rtl="0" eaLnBrk="1" latinLnBrk="0" hangingPunct="1">
-              <a:lnSpc>
-                <a:spcPct val="90000"/>
-              </a:lnSpc>
-              <a:spcBef>
-                <a:spcPts val="200"/>
-              </a:spcBef>
-              <a:spcAft>
-                <a:spcPts val="400"/>
-              </a:spcAft>
-              <a:buClr>
-                <a:schemeClr val="accent1"/>
-              </a:buClr>
-              <a:buFont typeface="Calibri" pitchFamily="34" charset="0"/>
-              <a:buChar char="◦"/>
-              <a:defRPr sz="1400" kern="1200">
-                <a:solidFill>
-                  <a:schemeClr val="tx1">
-                    <a:lumMod val="75000"/>
-                    <a:lumOff val="25000"/>
-                  </a:schemeClr>
-                </a:solidFill>
-                <a:latin typeface="+mn-lt"/>
-                <a:ea typeface="+mn-ea"/>
-                <a:cs typeface="+mn-cs"/>
-              </a:defRPr>
-            </a:lvl8pPr>
-            <a:lvl9pPr marL="1700000" indent="-228600" algn="l" defTabSz="914400" rtl="0" eaLnBrk="1" latinLnBrk="0" hangingPunct="1">
-              <a:lnSpc>
-                <a:spcPct val="90000"/>
-              </a:lnSpc>
-              <a:spcBef>
-                <a:spcPts val="200"/>
-              </a:spcBef>
-              <a:spcAft>
-                <a:spcPts val="400"/>
-              </a:spcAft>
-              <a:buClr>
-                <a:schemeClr val="accent1"/>
-              </a:buClr>
-              <a:buFont typeface="Calibri" pitchFamily="34" charset="0"/>
-              <a:buChar char="◦"/>
-              <a:defRPr sz="1400" kern="1200">
-                <a:solidFill>
-                  <a:schemeClr val="tx1">
-                    <a:lumMod val="75000"/>
-                    <a:lumOff val="25000"/>
-                  </a:schemeClr>
-                </a:solidFill>
-                <a:latin typeface="+mn-lt"/>
-                <a:ea typeface="+mn-ea"/>
-                <a:cs typeface="+mn-cs"/>
-              </a:defRPr>
-            </a:lvl9pPr>
-          </a:lstStyle>
-          <a:p>
-            <a:pPr>
-              <a:buFont typeface="Arial" panose="020B0604020202020204" pitchFamily="34" charset="0"/>
-              <a:buChar char="•"/>
-            </a:pPr>
-            <a:r>
-              <a:rPr lang="en-US" dirty="0"/>
-              <a:t>Once you click ”Save,” a Define Block appears in the canvas.</a:t>
-            </a:r>
-          </a:p>
-          <a:p>
-            <a:pPr>
-              <a:buFont typeface="Arial" panose="020B0604020202020204" pitchFamily="34" charset="0"/>
-              <a:buChar char="•"/>
-            </a:pPr>
-            <a:r>
-              <a:rPr lang="en-US" dirty="0"/>
-              <a:t>The code for the My Block goes under the Define Block.</a:t>
-            </a:r>
-          </a:p>
-          <a:p>
-            <a:pPr>
-              <a:buFont typeface="Arial" panose="020B0604020202020204" pitchFamily="34" charset="0"/>
-              <a:buChar char="•"/>
-            </a:pPr>
-            <a:r>
-              <a:rPr lang="en-US" dirty="0"/>
-              <a:t>In addition, the My Block can now be found in the My Blocks tab. To use the My Block in your code, simply drag in the block.</a:t>
-            </a:r>
-          </a:p>
-          <a:p>
-            <a:pPr>
-              <a:buFont typeface="Arial" panose="020B0604020202020204" pitchFamily="34" charset="0"/>
-              <a:buChar char="•"/>
-            </a:pPr>
-            <a:r>
-              <a:rPr lang="en-US" dirty="0">
-                <a:solidFill>
-                  <a:srgbClr val="FF0000"/>
-                </a:solidFill>
-              </a:rPr>
-              <a:t>Note: the My Block can only be used inside one project. To use in multiple projects, copy and paste the code into the other project.</a:t>
-            </a:r>
-          </a:p>
-        </p:txBody>
-      </p:sp>
-      <p:sp>
-        <p:nvSpPr>
-          <p:cNvPr id="13" name="Rectangle 12">
+      </p:pic>
+      <p:sp>
+        <p:nvSpPr>
+          <p:cNvPr id="22" name="Down Arrow 21">
             <a:extLst>
               <a:ext uri="{FF2B5EF4-FFF2-40B4-BE49-F238E27FC236}">
-                <a16:creationId xmlns:a16="http://schemas.microsoft.com/office/drawing/2014/main" id="{FE99A274-0F7C-7F4C-BAF3-02907A16FE9F}"/>
+                <a16:creationId xmlns:a16="http://schemas.microsoft.com/office/drawing/2014/main" id="{676A2876-32C0-0946-97F9-FCB876AE2077}"/>
               </a:ext>
             </a:extLst>
           </p:cNvPr>
@@ -9843,14 +9538,12 @@
         </p:nvSpPr>
         <p:spPr>
           <a:xfrm>
-            <a:off x="7127466" y="2668338"/>
-            <a:ext cx="1816101" cy="368300"/>
-          </a:xfrm>
-          <a:prstGeom prst="rect">
+            <a:off x="6411074" y="2230935"/>
+            <a:ext cx="485335" cy="409523"/>
+          </a:xfrm>
+          <a:prstGeom prst="downArrow">
             <a:avLst/>
           </a:prstGeom>
-          <a:noFill/>
-          <a:ln w="38100"/>
         </p:spPr>
         <p:style>
           <a:lnRef idx="2">
@@ -9877,10 +9570,56 @@
           </a:p>
         </p:txBody>
       </p:sp>
+      <p:sp>
+        <p:nvSpPr>
+          <p:cNvPr id="23" name="Down Arrow 22">
+            <a:extLst>
+              <a:ext uri="{FF2B5EF4-FFF2-40B4-BE49-F238E27FC236}">
+                <a16:creationId xmlns:a16="http://schemas.microsoft.com/office/drawing/2014/main" id="{009A2C99-E41D-A14F-92E9-079EE87E7DF9}"/>
+              </a:ext>
+            </a:extLst>
+          </p:cNvPr>
+          <p:cNvSpPr/>
+          <p:nvPr/>
+        </p:nvSpPr>
+        <p:spPr>
+          <a:xfrm>
+            <a:off x="6411073" y="3819399"/>
+            <a:ext cx="485335" cy="409523"/>
+          </a:xfrm>
+          <a:prstGeom prst="downArrow">
+            <a:avLst/>
+          </a:prstGeom>
+        </p:spPr>
+        <p:style>
+          <a:lnRef idx="2">
+            <a:schemeClr val="accent1">
+              <a:shade val="50000"/>
+            </a:schemeClr>
+          </a:lnRef>
+          <a:fillRef idx="1">
+            <a:schemeClr val="accent1"/>
+          </a:fillRef>
+          <a:effectRef idx="0">
+            <a:schemeClr val="accent1"/>
+          </a:effectRef>
+          <a:fontRef idx="minor">
+            <a:schemeClr val="lt1"/>
+          </a:fontRef>
+        </p:style>
+        <p:txBody>
+          <a:bodyPr rtlCol="0" anchor="ctr"/>
+          <a:lstStyle/>
+          <a:p>
+            <a:pPr algn="ctr"/>
+            <a:endParaRPr lang="en-US"/>
+          </a:p>
+        </p:txBody>
+      </p:sp>
     </p:spTree>
     <p:extLst>
       <p:ext uri="{BB962C8B-B14F-4D97-AF65-F5344CB8AC3E}">
-        <p14:creationId xmlns:p14="http://schemas.microsoft.com/office/powerpoint/2010/main" val="3197658015"/>
+        <p14:creationId xmlns:p14="http://schemas.microsoft.com/office/powerpoint/2010/main" val="825403992"/>
       </p:ext>
     </p:extLst>
   </p:cSld>

--- a/lessons/MyBlocks.pptx
+++ b/lessons/MyBlocks.pptx
@@ -5712,13 +5712,13 @@
           <a:p>
             <a:r>
               <a:rPr lang="en-US" dirty="0"/>
-              <a:t>Xxx show screenshot in code with values filled in</a:t>
+              <a:t>Number/text inputs can be directly typed into. However, you can not type in “True” or “False” into a Boolean input. </a:t>
             </a:r>
           </a:p>
           <a:p>
             <a:r>
               <a:rPr lang="en-US" dirty="0"/>
-              <a:t>Show a my block with Booleans – values can’t be filled in manually – you must use an operator block (e.g. 50 = 50 for true or 50=49 for false)</a:t>
+              <a:t>This can be done by dragging in an operator and setting values that result in true or false outputs, depending on what you want. Below, 1=1 returns true and 1=0 returns false.</a:t>
             </a:r>
           </a:p>
           <a:p>
@@ -5862,6 +5862,36 @@
           </a:p>
         </p:txBody>
       </p:sp>
+      <p:pic>
+        <p:nvPicPr>
+          <p:cNvPr id="9" name="Picture 8" descr="A screenshot of a cell phone&#10;&#10;Description automatically generated">
+            <a:extLst>
+              <a:ext uri="{FF2B5EF4-FFF2-40B4-BE49-F238E27FC236}">
+                <a16:creationId xmlns:a16="http://schemas.microsoft.com/office/drawing/2014/main" id="{022F883B-7522-6043-B77A-6F1241216924}"/>
+              </a:ext>
+            </a:extLst>
+          </p:cNvPr>
+          <p:cNvPicPr>
+            <a:picLocks noChangeAspect="1"/>
+          </p:cNvPicPr>
+          <p:nvPr/>
+        </p:nvPicPr>
+        <p:blipFill>
+          <a:blip r:embed="rId3"/>
+          <a:stretch>
+            <a:fillRect/>
+          </a:stretch>
+        </p:blipFill>
+        <p:spPr>
+          <a:xfrm>
+            <a:off x="1941814" y="4637691"/>
+            <a:ext cx="3904181" cy="1440454"/>
+          </a:xfrm>
+          <a:prstGeom prst="rect">
+            <a:avLst/>
+          </a:prstGeom>
+        </p:spPr>
+      </p:pic>
     </p:spTree>
     <p:extLst>
       <p:ext uri="{BB962C8B-B14F-4D97-AF65-F5344CB8AC3E}">
@@ -6255,10 +6285,40 @@
             <a:r>
               <a:rPr lang="en-US" dirty="0">
                 <a:solidFill>
-                  <a:srgbClr val="FF0000"/>
+                  <a:schemeClr val="tx1"/>
                 </a:solidFill>
               </a:rPr>
-              <a:t>Note: the My Block can only be used inside one project. To use in multiple projects, copy and paste the code into the other project.</a:t>
+              <a:t>The My Block can only be used inside one project. To use in multiple projects, copy and paste the define block and all attached blocks into another project.</a:t>
+            </a:r>
+          </a:p>
+          <a:p>
+            <a:r>
+              <a:rPr lang="en-US" dirty="0">
+                <a:solidFill>
+                  <a:schemeClr val="tx1"/>
+                </a:solidFill>
+              </a:rPr>
+              <a:t>However, the My Block will not appear in the My Block tab on the left had side.</a:t>
+            </a:r>
+          </a:p>
+          <a:p>
+            <a:r>
+              <a:rPr lang="en-US" dirty="0">
+                <a:solidFill>
+                  <a:schemeClr val="tx1"/>
+                </a:solidFill>
+              </a:rPr>
+              <a:t>To get it to appear, click on another project and then return the the project.</a:t>
+            </a:r>
+          </a:p>
+          <a:p>
+            <a:r>
+              <a:rPr lang="en-US" dirty="0">
+                <a:solidFill>
+                  <a:schemeClr val="tx1"/>
+                </a:solidFill>
+              </a:rPr>
+              <a:t>The My Block will now appear on the left.</a:t>
             </a:r>
           </a:p>
           <a:p>

--- a/lessons/MyBlocks.pptx
+++ b/lessons/MyBlocks.pptx
@@ -224,7 +224,7 @@
           <a:p>
             <a:fld id="{58040048-1E4D-CD41-AC49-0750EB72586B}" type="datetimeFigureOut">
               <a:rPr lang="en-US" smtClean="0"/>
-              <a:t>6/2/20</a:t>
+              <a:t>6/2/2020</a:t>
             </a:fld>
             <a:endParaRPr lang="en-US"/>
           </a:p>
@@ -390,7 +390,7 @@
           <a:p>
             <a:fld id="{2B8484CF-5098-F24E-8881-583515D5C406}" type="datetimeFigureOut">
               <a:rPr lang="en-US" smtClean="0"/>
-              <a:t>6/2/20</a:t>
+              <a:t>6/2/2020</a:t>
             </a:fld>
             <a:endParaRPr lang="en-US"/>
           </a:p>
@@ -6279,7 +6279,9 @@
         </p:nvSpPr>
         <p:spPr/>
         <p:txBody>
-          <a:bodyPr/>
+          <a:bodyPr>
+            <a:normAutofit/>
+          </a:bodyPr>
           <a:lstStyle/>
           <a:p>
             <a:r>
@@ -6298,18 +6300,45 @@
                   <a:schemeClr val="tx1"/>
                 </a:solidFill>
               </a:rPr>
-              <a:t>However, the My Block will not appear in the My Block tab on the left had side.</a:t>
-            </a:r>
-          </a:p>
-          <a:p>
+              <a:t>To copy, click on the define block of a My Block and use your computer’s copy keyboard shortcut (e.g. Ctrl-C or </a:t>
+            </a:r>
+            <a:r>
+              <a:rPr lang="en-US" dirty="0" err="1">
+                <a:solidFill>
+                  <a:schemeClr val="tx1"/>
+                </a:solidFill>
+              </a:rPr>
+              <a:t>Cmd</a:t>
+            </a:r>
             <a:r>
               <a:rPr lang="en-US" dirty="0">
                 <a:solidFill>
                   <a:schemeClr val="tx1"/>
                 </a:solidFill>
               </a:rPr>
-              <a:t>To get it to appear, click on another project and then return the the project.</a:t>
-            </a:r>
+              <a:t>-C)</a:t>
+            </a:r>
+          </a:p>
+          <a:p>
+            <a:endParaRPr lang="en-US" dirty="0">
+              <a:solidFill>
+                <a:schemeClr val="tx1"/>
+              </a:solidFill>
+            </a:endParaRPr>
+          </a:p>
+          <a:p>
+            <a:endParaRPr lang="en-US" dirty="0">
+              <a:solidFill>
+                <a:schemeClr val="tx1"/>
+              </a:solidFill>
+            </a:endParaRPr>
+          </a:p>
+          <a:p>
+            <a:endParaRPr lang="en-US" dirty="0">
+              <a:solidFill>
+                <a:schemeClr val="tx1"/>
+              </a:solidFill>
+            </a:endParaRPr>
           </a:p>
           <a:p>
             <a:r>
@@ -6318,7 +6347,54 @@
                   <a:schemeClr val="tx1"/>
                 </a:solidFill>
               </a:rPr>
-              <a:t>The My Block will now appear on the left.</a:t>
+              <a:t>Switch tabs to your second project and paste this part onto the canvas (e.g., using Ctrl-V or </a:t>
+            </a:r>
+            <a:r>
+              <a:rPr lang="en-US" dirty="0" err="1">
+                <a:solidFill>
+                  <a:schemeClr val="tx1"/>
+                </a:solidFill>
+              </a:rPr>
+              <a:t>Cmd</a:t>
+            </a:r>
+            <a:r>
+              <a:rPr lang="en-US" dirty="0">
+                <a:solidFill>
+                  <a:schemeClr val="tx1"/>
+                </a:solidFill>
+              </a:rPr>
+              <a:t>-V)</a:t>
+            </a:r>
+          </a:p>
+          <a:p>
+            <a:r>
+              <a:rPr lang="en-US" dirty="0">
+                <a:solidFill>
+                  <a:schemeClr val="tx1"/>
+                </a:solidFill>
+              </a:rPr>
+              <a:t>However, the My Block will not appear in the My Block section of the Block Palette yet.</a:t>
+            </a:r>
+          </a:p>
+          <a:p>
+            <a:r>
+              <a:rPr lang="en-US" dirty="0">
+                <a:solidFill>
+                  <a:schemeClr val="tx1"/>
+                </a:solidFill>
+              </a:rPr>
+              <a:t>To get it to appear, click on another project and then return this new project.</a:t>
+            </a:r>
+          </a:p>
+          <a:p>
+            <a:pPr lvl="1"/>
+            <a:r>
+              <a:rPr lang="en-US" dirty="0">
+                <a:solidFill>
+                  <a:schemeClr val="tx1"/>
+                </a:solidFill>
+              </a:rPr>
+              <a:t>The My Block will now appear on the left Block Palette and you can use this My Block as normal within this project. Note that editing the My Block in one project will not update the My Block in other projects. </a:t>
             </a:r>
           </a:p>
           <a:p>
@@ -6384,6 +6460,36 @@
           </a:p>
         </p:txBody>
       </p:sp>
+      <p:pic>
+        <p:nvPicPr>
+          <p:cNvPr id="6" name="Content Placeholder 14" descr="A screenshot of a cell phone&#10;&#10;Description automatically generated">
+            <a:extLst>
+              <a:ext uri="{FF2B5EF4-FFF2-40B4-BE49-F238E27FC236}">
+                <a16:creationId xmlns:a16="http://schemas.microsoft.com/office/drawing/2014/main" id="{4CEFCEE1-B3EA-45AB-BBF1-1636D58EAEBE}"/>
+              </a:ext>
+            </a:extLst>
+          </p:cNvPr>
+          <p:cNvPicPr>
+            <a:picLocks noChangeAspect="1"/>
+          </p:cNvPicPr>
+          <p:nvPr/>
+        </p:nvPicPr>
+        <p:blipFill>
+          <a:blip r:embed="rId2"/>
+          <a:stretch>
+            <a:fillRect/>
+          </a:stretch>
+        </p:blipFill>
+        <p:spPr>
+          <a:xfrm>
+            <a:off x="1296830" y="2534814"/>
+            <a:ext cx="4185006" cy="1027166"/>
+          </a:xfrm>
+          <a:prstGeom prst="rect">
+            <a:avLst/>
+          </a:prstGeom>
+        </p:spPr>
+      </p:pic>
     </p:spTree>
     <p:extLst>
       <p:ext uri="{BB962C8B-B14F-4D97-AF65-F5344CB8AC3E}">
@@ -6880,7 +6986,7 @@
           <a:effectLst/>
           <a:extLst>
             <a:ext uri="{91240B29-F687-4f45-9708-019B960494DF}">
-              <a14:hiddenLine xmlns:a14="http://schemas.microsoft.com/office/drawing/2010/main" xmlns="" w="9525">
+              <a14:hiddenLine xmlns="" xmlns:a14="http://schemas.microsoft.com/office/drawing/2010/main" w="9525">
                 <a:solidFill>
                   <a:schemeClr val="tx1"/>
                 </a:solidFill>
@@ -6890,7 +6996,7 @@
               </a14:hiddenLine>
             </a:ext>
             <a:ext uri="{AF507438-7753-43e0-B8FC-AC1667EBCBE1}">
-              <a14:hiddenEffects xmlns:a14="http://schemas.microsoft.com/office/drawing/2010/main" xmlns="">
+              <a14:hiddenEffects xmlns="" xmlns:a14="http://schemas.microsoft.com/office/drawing/2010/main">
                 <a:effectLst>
                   <a:outerShdw dist="35921" dir="2700000" algn="ctr" rotWithShape="0">
                     <a:schemeClr val="bg2"/>
@@ -7231,7 +7337,7 @@
           <a:noFill/>
           <a:extLst>
             <a:ext uri="{909E8E84-426E-40dd-AFC4-6F175D3DCCD1}">
-              <a14:hiddenFill xmlns:a14="http://schemas.microsoft.com/office/drawing/2010/main" xmlns="">
+              <a14:hiddenFill xmlns="" xmlns:a14="http://schemas.microsoft.com/office/drawing/2010/main">
                 <a:solidFill>
                   <a:srgbClr val="FFFFFF"/>
                 </a:solidFill>

--- a/lessons/MyBlocks.pptx
+++ b/lessons/MyBlocks.pptx
@@ -224,7 +224,7 @@
           <a:p>
             <a:fld id="{58040048-1E4D-CD41-AC49-0750EB72586B}" type="datetimeFigureOut">
               <a:rPr lang="en-US" smtClean="0"/>
-              <a:t>6/2/2020</a:t>
+              <a:t>6/3/2020</a:t>
             </a:fld>
             <a:endParaRPr lang="en-US"/>
           </a:p>
@@ -390,7 +390,7 @@
           <a:p>
             <a:fld id="{2B8484CF-5098-F24E-8881-583515D5C406}" type="datetimeFigureOut">
               <a:rPr lang="en-US" smtClean="0"/>
-              <a:t>6/2/2020</a:t>
+              <a:t>6/3/2020</a:t>
             </a:fld>
             <a:endParaRPr lang="en-US"/>
           </a:p>
@@ -6373,7 +6373,7 @@
                   <a:schemeClr val="tx1"/>
                 </a:solidFill>
               </a:rPr>
-              <a:t>However, the My Block will not appear in the My Block section of the Block Palette yet.</a:t>
+              <a:t>However, the My Block may not appear in the My Block section of the Block Palette yet.</a:t>
             </a:r>
           </a:p>
           <a:p>
@@ -6986,7 +6986,7 @@
           <a:effectLst/>
           <a:extLst>
             <a:ext uri="{91240B29-F687-4f45-9708-019B960494DF}">
-              <a14:hiddenLine xmlns="" xmlns:a14="http://schemas.microsoft.com/office/drawing/2010/main" w="9525">
+              <a14:hiddenLine xmlns:a14="http://schemas.microsoft.com/office/drawing/2010/main" xmlns="" w="9525">
                 <a:solidFill>
                   <a:schemeClr val="tx1"/>
                 </a:solidFill>
@@ -6996,7 +6996,7 @@
               </a14:hiddenLine>
             </a:ext>
             <a:ext uri="{AF507438-7753-43e0-B8FC-AC1667EBCBE1}">
-              <a14:hiddenEffects xmlns="" xmlns:a14="http://schemas.microsoft.com/office/drawing/2010/main">
+              <a14:hiddenEffects xmlns:a14="http://schemas.microsoft.com/office/drawing/2010/main" xmlns="">
                 <a:effectLst>
                   <a:outerShdw dist="35921" dir="2700000" algn="ctr" rotWithShape="0">
                     <a:schemeClr val="bg2"/>
@@ -7337,7 +7337,7 @@
           <a:noFill/>
           <a:extLst>
             <a:ext uri="{909E8E84-426E-40dd-AFC4-6F175D3DCCD1}">
-              <a14:hiddenFill xmlns="" xmlns:a14="http://schemas.microsoft.com/office/drawing/2010/main">
+              <a14:hiddenFill xmlns:a14="http://schemas.microsoft.com/office/drawing/2010/main" xmlns="">
                 <a:solidFill>
                   <a:srgbClr val="FFFFFF"/>
                 </a:solidFill>
